--- a/rbtree_poster.pptx
+++ b/rbtree_poster.pptx
@@ -321,7 +321,7 @@
           <a:p>
             <a:fld id="{985D6BDF-9D0E-4E2B-85B8-D8F4790360C9}" type="datetimeFigureOut">
               <a:rPr lang="en-US" smtClean="0"/>
-              <a:t>3/21/2018</a:t>
+              <a:t>3/24/2018</a:t>
             </a:fld>
             <a:endParaRPr lang="en-US" dirty="0"/>
           </a:p>
@@ -1114,16 +1114,6 @@
                 <a:spcPts val="1800"/>
               </a:spcAft>
             </a:pPr>
-            <a:r>
-              <a:rPr lang="en-US" sz="3600" dirty="0">
-                <a:solidFill>
-                  <a:srgbClr val="7F7F7F"/>
-                </a:solidFill>
-                <a:latin typeface="Calibri" pitchFamily="34" charset="0"/>
-                <a:cs typeface="Calibri" panose="020F0502020204030204" pitchFamily="34" charset="0"/>
-              </a:rPr>
-              <a:t/>
-            </a:r>
             <a:br>
               <a:rPr lang="en-US" sz="3600" dirty="0">
                 <a:solidFill>
@@ -1835,18 +1825,6 @@
                   <a:spcPts val="0"/>
                 </a:spcAft>
               </a:pPr>
-              <a:r>
-                <a:rPr lang="en-US" sz="3600" dirty="0">
-                  <a:solidFill>
-                    <a:schemeClr val="bg1">
-                      <a:lumMod val="50000"/>
-                    </a:schemeClr>
-                  </a:solidFill>
-                  <a:latin typeface="Calibri" pitchFamily="34" charset="0"/>
-                  <a:cs typeface="Calibri" panose="020F0502020204030204" pitchFamily="34" charset="0"/>
-                </a:rPr>
-                <a:t/>
-              </a:r>
               <a:br>
                 <a:rPr lang="en-US" sz="3600" dirty="0">
                   <a:solidFill>
@@ -2418,23 +2396,8 @@
                 </a:solidFill>
                 <a:latin typeface="+mn-lt"/>
               </a:rPr>
-              <a:t>An Exploration of Red Black Trees and </a:t>
-            </a:r>
-            <a:r>
-              <a:rPr lang="en-US" sz="7200" b="1" dirty="0" smtClean="0">
-                <a:solidFill>
-                  <a:schemeClr val="bg1"/>
-                </a:solidFill>
-                <a:latin typeface="+mn-lt"/>
-              </a:rPr>
-              <a:t>Applications</a:t>
-            </a:r>
-            <a:endParaRPr lang="en-US" sz="7200" b="1" dirty="0">
-              <a:solidFill>
-                <a:schemeClr val="bg1"/>
-              </a:solidFill>
-              <a:latin typeface="+mn-lt"/>
-            </a:endParaRPr>
+              <a:t>An Exploration of Red Black Trees and Applications</a:t>
+            </a:r>
           </a:p>
         </p:txBody>
       </p:sp>
@@ -2597,35 +2560,20 @@
                 </a:solidFill>
                 <a:latin typeface="+mn-lt"/>
               </a:rPr>
-              <a:t>KD Adkins, Bethany Norton, Omar Batyah, Walter Hufstetler, Joanne </a:t>
-            </a:r>
-            <a:r>
-              <a:rPr lang="en-US" sz="4000" dirty="0" smtClean="0">
+              <a:t>KD Adkins, Bethany Norton, Omar Batyah, Walter Hufstetler, Joanne Wardell</a:t>
+            </a:r>
+          </a:p>
+          <a:p>
+            <a:pPr algn="ctr" eaLnBrk="1" hangingPunct="1"/>
+            <a:r>
+              <a:rPr lang="en-US" sz="4000" dirty="0">
                 <a:solidFill>
                   <a:schemeClr val="bg1"/>
                 </a:solidFill>
                 <a:latin typeface="+mn-lt"/>
               </a:rPr>
-              <a:t>Wardell</a:t>
-            </a:r>
-          </a:p>
-          <a:p>
-            <a:pPr algn="ctr" eaLnBrk="1" hangingPunct="1"/>
-            <a:r>
-              <a:rPr lang="en-US" sz="4000" dirty="0" smtClean="0">
-                <a:solidFill>
-                  <a:schemeClr val="bg1"/>
-                </a:solidFill>
-                <a:latin typeface="+mn-lt"/>
-              </a:rPr>
               <a:t>Faculty Mentor: Anurag Dasgupta, PhD</a:t>
             </a:r>
-            <a:endParaRPr lang="en-US" sz="4000" dirty="0">
-              <a:solidFill>
-                <a:schemeClr val="bg1"/>
-              </a:solidFill>
-              <a:latin typeface="+mn-lt"/>
-            </a:endParaRPr>
           </a:p>
         </p:txBody>
       </p:sp>
@@ -3001,9 +2949,6 @@
               </a:rPr>
               <a:t>A red black tree is a self balancing binary tree. Our research included the study of red black trees and their applications in real-world systems. One such system was a phone number lookup service that gave the user the ability to identify a caller from a phone number. We also used the data structure to model a school database. During this project, we explored the practical uses of red black trees, as well as their limitations in real-world systems. Our work with the red black trees allowed us to formulate opinions regarding additional applications in specific environments and systems. We also proposed ways for improving the implementation of the red black trees and object-oriented system that we utilized throughout the project..</a:t>
             </a:r>
-            <a:endParaRPr lang="en-US" sz="3200" dirty="0">
-              <a:latin typeface="Calibri" pitchFamily="34" charset="0"/>
-            </a:endParaRPr>
           </a:p>
         </p:txBody>
       </p:sp>
@@ -3076,8 +3021,8 @@
         </p:nvSpPr>
         <p:spPr bwMode="auto">
           <a:xfrm>
-            <a:off x="15361920" y="5486400"/>
-            <a:ext cx="13167360" cy="769395"/>
+            <a:off x="15332103" y="5486400"/>
+            <a:ext cx="13197177" cy="10618245"/>
           </a:xfrm>
           <a:prstGeom prst="rect">
             <a:avLst/>
@@ -3095,7 +3040,7 @@
           <a:effectLst/>
         </p:spPr>
         <p:txBody>
-          <a:bodyPr lIns="137137" tIns="137137" rIns="137137" bIns="137137">
+          <a:bodyPr wrap="square" lIns="137137" tIns="137137" rIns="137137" bIns="137137">
             <a:spAutoFit/>
           </a:bodyPr>
           <a:lstStyle>
@@ -3197,13 +3142,136 @@
             </a:lvl9pPr>
           </a:lstStyle>
           <a:p>
+            <a:pPr marL="457200" indent="-457200" eaLnBrk="1" hangingPunct="1">
+              <a:buFont typeface="Arial" panose="020B0604020202020204" pitchFamily="34" charset="0"/>
+              <a:buChar char="•"/>
+            </a:pPr>
+            <a:r>
+              <a:rPr lang="en-US" sz="3200" dirty="0">
+                <a:latin typeface="Calibri" pitchFamily="34" charset="0"/>
+              </a:rPr>
+              <a:t>Tasks that are in most need of the processor wait on the left side of the tree</a:t>
+            </a:r>
+          </a:p>
+          <a:p>
+            <a:pPr marL="457200" indent="-457200" eaLnBrk="1" hangingPunct="1">
+              <a:buFont typeface="Arial" panose="020B0604020202020204" pitchFamily="34" charset="0"/>
+              <a:buChar char="•"/>
+            </a:pPr>
+            <a:r>
+              <a:rPr lang="en-US" sz="3200" dirty="0">
+                <a:latin typeface="Calibri" pitchFamily="34" charset="0"/>
+              </a:rPr>
+              <a:t>Tasks that are in least need of the processor wait on the right side of the tree</a:t>
+            </a:r>
+          </a:p>
+          <a:p>
             <a:pPr eaLnBrk="1" hangingPunct="1"/>
-            <a:r>
-              <a:rPr lang="en-US" sz="3200" dirty="0" smtClean="0">
+            <a:endParaRPr lang="en-US" sz="3200" dirty="0">
+              <a:latin typeface="Calibri" pitchFamily="34" charset="0"/>
+            </a:endParaRPr>
+          </a:p>
+          <a:p>
+            <a:pPr eaLnBrk="1" hangingPunct="1"/>
+            <a:endParaRPr lang="en-US" sz="3200" dirty="0">
+              <a:latin typeface="Calibri" pitchFamily="34" charset="0"/>
+            </a:endParaRPr>
+          </a:p>
+          <a:p>
+            <a:pPr eaLnBrk="1" hangingPunct="1"/>
+            <a:endParaRPr lang="en-US" sz="3200" dirty="0">
+              <a:latin typeface="Calibri" pitchFamily="34" charset="0"/>
+            </a:endParaRPr>
+          </a:p>
+          <a:p>
+            <a:pPr eaLnBrk="1" hangingPunct="1"/>
+            <a:endParaRPr lang="en-US" sz="3200" dirty="0">
+              <a:latin typeface="Calibri" pitchFamily="34" charset="0"/>
+            </a:endParaRPr>
+          </a:p>
+          <a:p>
+            <a:pPr eaLnBrk="1" hangingPunct="1"/>
+            <a:endParaRPr lang="en-US" sz="3200" dirty="0">
+              <a:latin typeface="Calibri" pitchFamily="34" charset="0"/>
+            </a:endParaRPr>
+          </a:p>
+          <a:p>
+            <a:pPr eaLnBrk="1" hangingPunct="1"/>
+            <a:endParaRPr lang="en-US" sz="3200" dirty="0">
+              <a:latin typeface="Calibri" pitchFamily="34" charset="0"/>
+            </a:endParaRPr>
+          </a:p>
+          <a:p>
+            <a:pPr eaLnBrk="1" hangingPunct="1"/>
+            <a:endParaRPr lang="en-US" sz="3200" dirty="0">
+              <a:latin typeface="Calibri" pitchFamily="34" charset="0"/>
+            </a:endParaRPr>
+          </a:p>
+          <a:p>
+            <a:pPr marL="457200" indent="-457200" eaLnBrk="1" hangingPunct="1">
+              <a:buFont typeface="Arial" panose="020B0604020202020204" pitchFamily="34" charset="0"/>
+              <a:buChar char="•"/>
+            </a:pPr>
+            <a:r>
+              <a:rPr lang="en-US" sz="3200" dirty="0">
                 <a:latin typeface="Calibri" pitchFamily="34" charset="0"/>
               </a:rPr>
-              <a:t>Info about scenario 1</a:t>
-            </a:r>
+              <a:t>Left most node chosen to run, then inserted  back into the tree after time is up</a:t>
+            </a:r>
+          </a:p>
+          <a:p>
+            <a:pPr marL="457200" indent="-457200" eaLnBrk="1" hangingPunct="1">
+              <a:buFont typeface="Arial" panose="020B0604020202020204" pitchFamily="34" charset="0"/>
+              <a:buChar char="•"/>
+            </a:pPr>
+            <a:r>
+              <a:rPr lang="en-US" sz="3200" dirty="0">
+                <a:latin typeface="Calibri" pitchFamily="34" charset="0"/>
+              </a:rPr>
+              <a:t>Virtual runtime used as “key” to sort on</a:t>
+            </a:r>
+          </a:p>
+          <a:p>
+            <a:pPr marL="457200" indent="-457200" eaLnBrk="1" hangingPunct="1">
+              <a:buFont typeface="Arial" panose="020B0604020202020204" pitchFamily="34" charset="0"/>
+              <a:buChar char="•"/>
+            </a:pPr>
+            <a:endParaRPr lang="en-US" sz="3200" dirty="0">
+              <a:latin typeface="Calibri" pitchFamily="34" charset="0"/>
+            </a:endParaRPr>
+          </a:p>
+          <a:p>
+            <a:pPr eaLnBrk="1" hangingPunct="1"/>
+            <a:endParaRPr lang="en-US" sz="3200" dirty="0">
+              <a:latin typeface="Calibri" pitchFamily="34" charset="0"/>
+            </a:endParaRPr>
+          </a:p>
+          <a:p>
+            <a:pPr eaLnBrk="1" hangingPunct="1"/>
+            <a:endParaRPr lang="en-US" sz="3200" dirty="0">
+              <a:latin typeface="Calibri" pitchFamily="34" charset="0"/>
+            </a:endParaRPr>
+          </a:p>
+          <a:p>
+            <a:pPr eaLnBrk="1" hangingPunct="1"/>
+            <a:endParaRPr lang="en-US" sz="3200" dirty="0">
+              <a:latin typeface="Calibri" pitchFamily="34" charset="0"/>
+            </a:endParaRPr>
+          </a:p>
+          <a:p>
+            <a:pPr eaLnBrk="1" hangingPunct="1"/>
+            <a:endParaRPr lang="en-US" sz="3200" dirty="0">
+              <a:latin typeface="Calibri" pitchFamily="34" charset="0"/>
+            </a:endParaRPr>
+          </a:p>
+          <a:p>
+            <a:pPr eaLnBrk="1" hangingPunct="1"/>
+            <a:endParaRPr lang="en-US" sz="3200" dirty="0">
+              <a:latin typeface="Calibri" pitchFamily="34" charset="0"/>
+            </a:endParaRPr>
+          </a:p>
+          <a:p>
+            <a:pPr eaLnBrk="1" hangingPunct="1"/>
             <a:endParaRPr lang="en-US" sz="3200" dirty="0">
               <a:latin typeface="Calibri" pitchFamily="34" charset="0"/>
             </a:endParaRPr>
@@ -3259,18 +3327,13 @@
           <a:p>
             <a:pPr algn="ctr"/>
             <a:r>
-              <a:rPr lang="en-US" sz="4400" b="1" dirty="0" smtClean="0">
+              <a:rPr lang="en-US" sz="4400" b="1" dirty="0">
                 <a:solidFill>
                   <a:schemeClr val="bg1"/>
                 </a:solidFill>
               </a:rPr>
-              <a:t>Scenario 1</a:t>
-            </a:r>
-            <a:endParaRPr lang="en-US" sz="4400" b="1" dirty="0">
-              <a:solidFill>
-                <a:schemeClr val="bg1"/>
-              </a:solidFill>
-            </a:endParaRPr>
+              <a:t>Linux Completely Fair Scheduler</a:t>
+            </a:r>
           </a:p>
         </p:txBody>
       </p:sp>
@@ -3407,14 +3470,11 @@
           <a:p>
             <a:pPr eaLnBrk="1" hangingPunct="1"/>
             <a:r>
-              <a:rPr lang="en-US" sz="3200" dirty="0" smtClean="0">
+              <a:rPr lang="en-US" sz="3200" dirty="0">
                 <a:latin typeface="Calibri" pitchFamily="34" charset="0"/>
               </a:rPr>
               <a:t>Discuss relevant uses in tech now</a:t>
             </a:r>
-            <a:endParaRPr lang="en-US" sz="3200" dirty="0">
-              <a:latin typeface="Calibri" pitchFamily="34" charset="0"/>
-            </a:endParaRPr>
           </a:p>
         </p:txBody>
       </p:sp>
@@ -3610,14 +3670,11 @@
           <a:p>
             <a:pPr eaLnBrk="1" hangingPunct="1"/>
             <a:r>
-              <a:rPr lang="en-US" sz="3200" dirty="0" smtClean="0">
+              <a:rPr lang="en-US" sz="3200" dirty="0">
                 <a:latin typeface="Calibri" pitchFamily="34" charset="0"/>
               </a:rPr>
               <a:t>Talk about the conclusions that we made from our research</a:t>
             </a:r>
-            <a:endParaRPr lang="en-US" sz="3200" dirty="0">
-              <a:latin typeface="Calibri" pitchFamily="34" charset="0"/>
-            </a:endParaRPr>
           </a:p>
         </p:txBody>
       </p:sp>
@@ -3816,17 +3873,8 @@
               <a:rPr lang="en-US" sz="3200" dirty="0">
                 <a:latin typeface="Calibri" pitchFamily="34" charset="0"/>
               </a:rPr>
-              <a:t>Info about scenario </a:t>
-            </a:r>
-            <a:r>
-              <a:rPr lang="en-US" sz="3200" dirty="0" smtClean="0">
-                <a:latin typeface="Calibri" pitchFamily="34" charset="0"/>
-              </a:rPr>
-              <a:t>2</a:t>
-            </a:r>
-            <a:endParaRPr lang="en-US" sz="3200" dirty="0">
-              <a:latin typeface="Calibri" pitchFamily="34" charset="0"/>
-            </a:endParaRPr>
+              <a:t>Info about scenario 2</a:t>
+            </a:r>
           </a:p>
         </p:txBody>
       </p:sp>
@@ -3884,21 +3932,8 @@
                   <a:schemeClr val="bg1"/>
                 </a:solidFill>
               </a:rPr>
-              <a:t>Scenario </a:t>
-            </a:r>
-            <a:r>
-              <a:rPr lang="en-US" sz="4400" b="1" dirty="0" smtClean="0">
-                <a:solidFill>
-                  <a:schemeClr val="bg1"/>
-                </a:solidFill>
-              </a:rPr>
-              <a:t>2</a:t>
-            </a:r>
-            <a:endParaRPr lang="en-US" sz="4400" b="1" dirty="0">
-              <a:solidFill>
-                <a:schemeClr val="bg1"/>
-              </a:solidFill>
-            </a:endParaRPr>
+              <a:t>Scenario 2</a:t>
+            </a:r>
           </a:p>
         </p:txBody>
       </p:sp>
@@ -3951,18 +3986,13 @@
           <a:p>
             <a:pPr algn="ctr"/>
             <a:r>
-              <a:rPr lang="en-US" sz="4400" b="1" dirty="0" smtClean="0">
+              <a:rPr lang="en-US" sz="4400" b="1" dirty="0">
                 <a:solidFill>
                   <a:schemeClr val="bg1"/>
                 </a:solidFill>
               </a:rPr>
               <a:t>Scenario 3</a:t>
             </a:r>
-            <a:endParaRPr lang="en-US" sz="4400" b="1" dirty="0">
-              <a:solidFill>
-                <a:schemeClr val="bg1"/>
-              </a:solidFill>
-            </a:endParaRPr>
           </a:p>
         </p:txBody>
       </p:sp>
@@ -4102,17 +4132,8 @@
               <a:rPr lang="en-US" sz="3200" dirty="0">
                 <a:latin typeface="Calibri" pitchFamily="34" charset="0"/>
               </a:rPr>
-              <a:t>Info about scenario </a:t>
-            </a:r>
-            <a:r>
-              <a:rPr lang="en-US" sz="3200" dirty="0" smtClean="0">
-                <a:latin typeface="Calibri" pitchFamily="34" charset="0"/>
-              </a:rPr>
-              <a:t>3</a:t>
-            </a:r>
-            <a:endParaRPr lang="en-US" sz="3200" dirty="0">
-              <a:latin typeface="Calibri" pitchFamily="34" charset="0"/>
-            </a:endParaRPr>
+              <a:t>Info about scenario 3</a:t>
+            </a:r>
           </a:p>
         </p:txBody>
       </p:sp>
@@ -4252,47 +4273,8 @@
               <a:rPr lang="en-US" sz="3200" dirty="0">
                 <a:latin typeface="+mn-lt"/>
               </a:rPr>
-              <a:t>A red black tree is a self balancing binary tree. The nodes on a red black </a:t>
-            </a:r>
-            <a:r>
-              <a:rPr lang="en-US" sz="3200" dirty="0" smtClean="0">
-                <a:latin typeface="+mn-lt"/>
-              </a:rPr>
-              <a:t>tree have </a:t>
-            </a:r>
-            <a:r>
-              <a:rPr lang="en-US" sz="3200" dirty="0">
-                <a:latin typeface="+mn-lt"/>
-              </a:rPr>
-              <a:t>an extra attribute which signifies their color. There are two colors which </a:t>
-            </a:r>
-            <a:r>
-              <a:rPr lang="en-US" sz="3200" dirty="0" smtClean="0">
-                <a:latin typeface="+mn-lt"/>
-              </a:rPr>
-              <a:t>are used </a:t>
-            </a:r>
-            <a:r>
-              <a:rPr lang="en-US" sz="3200" dirty="0">
-                <a:latin typeface="+mn-lt"/>
-              </a:rPr>
-              <a:t>in Red Black trees. The color attribute per node is used as a tool for completing </a:t>
-            </a:r>
-            <a:r>
-              <a:rPr lang="en-US" sz="3200" dirty="0" smtClean="0">
-                <a:latin typeface="+mn-lt"/>
-              </a:rPr>
-              <a:t>an </a:t>
-            </a:r>
-            <a:r>
-              <a:rPr lang="en-US" sz="3200" dirty="0">
-                <a:latin typeface="+mn-lt"/>
-              </a:rPr>
-              <a:t>approximate balancing of the tree. Some properties of RB trees are as follows: </a:t>
-            </a:r>
-            <a:endParaRPr lang="en-US" sz="3200" dirty="0" smtClean="0">
-              <a:latin typeface="+mn-lt"/>
-            </a:endParaRPr>
+              <a:t>A red black tree is a self balancing binary tree. The nodes on a red black tree have an extra attribute which signifies their color. There are two colors which are used in Red Black trees. The color attribute per node is used as a tool for completing an approximate balancing of the tree. Some properties of RB trees are as follows: </a:t>
+            </a:r>
           </a:p>
           <a:p>
             <a:pPr marL="1200150" lvl="1" indent="-457200" eaLnBrk="1" hangingPunct="1">
@@ -4366,16 +4348,7 @@
                 </a:solidFill>
                 <a:latin typeface="Calibri" panose="020F0502020204030204"/>
               </a:rPr>
-              <a:t>Any path from a given node to a leaf contains the same number of black nodes</a:t>
-            </a:r>
-            <a:r>
-              <a:rPr lang="en-US" sz="3200" dirty="0" smtClean="0">
-                <a:solidFill>
-                  <a:prstClr val="black"/>
-                </a:solidFill>
-                <a:latin typeface="Calibri" panose="020F0502020204030204"/>
-              </a:rPr>
-              <a:t>.</a:t>
+              <a:t>Any path from a given node to a leaf contains the same number of black nodes.</a:t>
             </a:r>
           </a:p>
           <a:p>
@@ -4395,7 +4368,7 @@
               <a:buFont typeface="Arial" panose="020B0604020202020204" pitchFamily="34" charset="0"/>
               <a:buChar char="•"/>
             </a:pPr>
-            <a:endParaRPr lang="en-US" sz="3200" dirty="0" smtClean="0">
+            <a:endParaRPr lang="en-US" sz="3200" dirty="0">
               <a:solidFill>
                 <a:prstClr val="black"/>
               </a:solidFill>
@@ -4419,7 +4392,7 @@
               <a:buFont typeface="Arial" panose="020B0604020202020204" pitchFamily="34" charset="0"/>
               <a:buChar char="•"/>
             </a:pPr>
-            <a:endParaRPr lang="en-US" sz="3200" dirty="0" smtClean="0">
+            <a:endParaRPr lang="en-US" sz="3200" dirty="0">
               <a:solidFill>
                 <a:prstClr val="black"/>
               </a:solidFill>
@@ -4443,7 +4416,7 @@
               <a:buFont typeface="Arial" panose="020B0604020202020204" pitchFamily="34" charset="0"/>
               <a:buChar char="•"/>
             </a:pPr>
-            <a:endParaRPr lang="en-US" sz="3200" dirty="0" smtClean="0">
+            <a:endParaRPr lang="en-US" sz="3200" dirty="0">
               <a:solidFill>
                 <a:prstClr val="black"/>
               </a:solidFill>
@@ -4467,7 +4440,7 @@
               <a:buFont typeface="Arial" panose="020B0604020202020204" pitchFamily="34" charset="0"/>
               <a:buChar char="•"/>
             </a:pPr>
-            <a:endParaRPr lang="en-US" sz="3200" dirty="0" smtClean="0">
+            <a:endParaRPr lang="en-US" sz="3200" dirty="0">
               <a:solidFill>
                 <a:prstClr val="black"/>
               </a:solidFill>
@@ -4479,13 +4452,13 @@
               <a:buFont typeface="Arial" panose="020B0604020202020204" pitchFamily="34" charset="0"/>
               <a:buChar char="•"/>
             </a:pPr>
-            <a:endParaRPr lang="en-US" sz="3200" dirty="0" smtClean="0">
+            <a:endParaRPr lang="en-US" sz="3200" dirty="0">
               <a:latin typeface="+mn-lt"/>
             </a:endParaRPr>
           </a:p>
           <a:p>
             <a:pPr eaLnBrk="1" hangingPunct="1"/>
-            <a:endParaRPr lang="en-US" sz="3200" dirty="0" smtClean="0">
+            <a:endParaRPr lang="en-US" sz="3200" dirty="0">
               <a:latin typeface="+mn-lt"/>
             </a:endParaRPr>
           </a:p>
@@ -4584,6 +4557,52 @@
           <a:prstGeom prst="rect">
             <a:avLst/>
           </a:prstGeom>
+        </p:spPr>
+      </p:pic>
+      <p:pic>
+        <p:nvPicPr>
+          <p:cNvPr id="1028" name="Picture 4" descr="Image result for linux completely fair scheduler">
+            <a:extLst>
+              <a:ext uri="{FF2B5EF4-FFF2-40B4-BE49-F238E27FC236}">
+                <a16:creationId xmlns:a16="http://schemas.microsoft.com/office/drawing/2014/main" id="{8084E8F1-3811-4143-A85F-59F329044689}"/>
+              </a:ext>
+            </a:extLst>
+          </p:cNvPr>
+          <p:cNvPicPr>
+            <a:picLocks noChangeAspect="1" noChangeArrowheads="1"/>
+          </p:cNvPicPr>
+          <p:nvPr/>
+        </p:nvPicPr>
+        <p:blipFill>
+          <a:blip r:embed="rId3">
+            <a:extLst>
+              <a:ext uri="{28A0092B-C50C-407E-A947-70E740481C1C}">
+                <a14:useLocalDpi xmlns:a14="http://schemas.microsoft.com/office/drawing/2010/main" val="0"/>
+              </a:ext>
+            </a:extLst>
+          </a:blip>
+          <a:srcRect/>
+          <a:stretch>
+            <a:fillRect/>
+          </a:stretch>
+        </p:blipFill>
+        <p:spPr bwMode="auto">
+          <a:xfrm>
+            <a:off x="18592800" y="7222729"/>
+            <a:ext cx="5746766" cy="3668415"/>
+          </a:xfrm>
+          <a:prstGeom prst="rect">
+            <a:avLst/>
+          </a:prstGeom>
+          <a:extLst>
+            <a:ext uri="{909E8E84-426E-40DD-AFC4-6F175D3DCCD1}">
+              <a14:hiddenFill xmlns:a14="http://schemas.microsoft.com/office/drawing/2010/main">
+                <a:solidFill>
+                  <a:srgbClr val="FFFFFF"/>
+                </a:solidFill>
+              </a14:hiddenFill>
+            </a:ext>
+          </a:extLst>
         </p:spPr>
       </p:pic>
     </p:spTree>

--- a/rbtree_poster.pptx
+++ b/rbtree_poster.pptx
@@ -321,7 +321,7 @@
           <a:p>
             <a:fld id="{985D6BDF-9D0E-4E2B-85B8-D8F4790360C9}" type="datetimeFigureOut">
               <a:rPr lang="en-US" smtClean="0"/>
-              <a:t>3/21/2018</a:t>
+              <a:t>3/26/2018</a:t>
             </a:fld>
             <a:endParaRPr lang="en-US" dirty="0"/>
           </a:p>
@@ -2418,23 +2418,8 @@
                 </a:solidFill>
                 <a:latin typeface="+mn-lt"/>
               </a:rPr>
-              <a:t>An Exploration of Red Black Trees and </a:t>
-            </a:r>
-            <a:r>
-              <a:rPr lang="en-US" sz="7200" b="1" dirty="0" smtClean="0">
-                <a:solidFill>
-                  <a:schemeClr val="bg1"/>
-                </a:solidFill>
-                <a:latin typeface="+mn-lt"/>
-              </a:rPr>
-              <a:t>Applications</a:t>
-            </a:r>
-            <a:endParaRPr lang="en-US" sz="7200" b="1" dirty="0">
-              <a:solidFill>
-                <a:schemeClr val="bg1"/>
-              </a:solidFill>
-              <a:latin typeface="+mn-lt"/>
-            </a:endParaRPr>
+              <a:t>An Exploration of Red Black Trees and Applications</a:t>
+            </a:r>
           </a:p>
         </p:txBody>
       </p:sp>
@@ -2597,35 +2582,20 @@
                 </a:solidFill>
                 <a:latin typeface="+mn-lt"/>
               </a:rPr>
-              <a:t>KD Adkins, Bethany Norton, Omar Batyah, Walter Hufstetler, Joanne </a:t>
-            </a:r>
-            <a:r>
-              <a:rPr lang="en-US" sz="4000" dirty="0" smtClean="0">
+              <a:t>KD Adkins, Bethany Norton, Omar Batyah, Walter Hufstetler, Joanne Wardell</a:t>
+            </a:r>
+          </a:p>
+          <a:p>
+            <a:pPr algn="ctr" eaLnBrk="1" hangingPunct="1"/>
+            <a:r>
+              <a:rPr lang="en-US" sz="4000" dirty="0">
                 <a:solidFill>
                   <a:schemeClr val="bg1"/>
                 </a:solidFill>
                 <a:latin typeface="+mn-lt"/>
               </a:rPr>
-              <a:t>Wardell</a:t>
-            </a:r>
-          </a:p>
-          <a:p>
-            <a:pPr algn="ctr" eaLnBrk="1" hangingPunct="1"/>
-            <a:r>
-              <a:rPr lang="en-US" sz="4000" dirty="0" smtClean="0">
-                <a:solidFill>
-                  <a:schemeClr val="bg1"/>
-                </a:solidFill>
-                <a:latin typeface="+mn-lt"/>
-              </a:rPr>
               <a:t>Faculty Mentor: Anurag Dasgupta, PhD</a:t>
             </a:r>
-            <a:endParaRPr lang="en-US" sz="4000" dirty="0">
-              <a:solidFill>
-                <a:schemeClr val="bg1"/>
-              </a:solidFill>
-              <a:latin typeface="+mn-lt"/>
-            </a:endParaRPr>
           </a:p>
         </p:txBody>
       </p:sp>
@@ -3001,9 +2971,6 @@
               </a:rPr>
               <a:t>A red black tree is a self balancing binary tree. Our research included the study of red black trees and their applications in real-world systems. One such system was a phone number lookup service that gave the user the ability to identify a caller from a phone number. We also used the data structure to model a school database. During this project, we explored the practical uses of red black trees, as well as their limitations in real-world systems. Our work with the red black trees allowed us to formulate opinions regarding additional applications in specific environments and systems. We also proposed ways for improving the implementation of the red black trees and object-oriented system that we utilized throughout the project..</a:t>
             </a:r>
-            <a:endParaRPr lang="en-US" sz="3200" dirty="0">
-              <a:latin typeface="Calibri" pitchFamily="34" charset="0"/>
-            </a:endParaRPr>
           </a:p>
         </p:txBody>
       </p:sp>
@@ -3076,8 +3043,8 @@
         </p:nvSpPr>
         <p:spPr bwMode="auto">
           <a:xfrm>
-            <a:off x="15361920" y="5486400"/>
-            <a:ext cx="13167360" cy="769395"/>
+            <a:off x="15361920" y="5461698"/>
+            <a:ext cx="13197177" cy="7171147"/>
           </a:xfrm>
           <a:prstGeom prst="rect">
             <a:avLst/>
@@ -3095,7 +3062,7 @@
           <a:effectLst/>
         </p:spPr>
         <p:txBody>
-          <a:bodyPr lIns="137137" tIns="137137" rIns="137137" bIns="137137">
+          <a:bodyPr wrap="square" lIns="137137" tIns="137137" rIns="137137" bIns="137137">
             <a:spAutoFit/>
           </a:bodyPr>
           <a:lstStyle>
@@ -3197,12 +3164,99 @@
             </a:lvl9pPr>
           </a:lstStyle>
           <a:p>
+            <a:pPr marL="457200" indent="-457200" eaLnBrk="1" hangingPunct="1">
+              <a:buFont typeface="Arial" panose="020B0604020202020204" pitchFamily="34" charset="0"/>
+              <a:buChar char="•"/>
+            </a:pPr>
+            <a:r>
+              <a:rPr lang="en-US" sz="3200" dirty="0">
+                <a:latin typeface="Calibri" pitchFamily="34" charset="0"/>
+              </a:rPr>
+              <a:t>Tasks that are in most need of the processor wait on the left side of the tree</a:t>
+            </a:r>
+          </a:p>
+          <a:p>
+            <a:pPr marL="457200" indent="-457200" eaLnBrk="1" hangingPunct="1">
+              <a:buFont typeface="Arial" panose="020B0604020202020204" pitchFamily="34" charset="0"/>
+              <a:buChar char="•"/>
+            </a:pPr>
+            <a:r>
+              <a:rPr lang="en-US" sz="3200" dirty="0">
+                <a:latin typeface="Calibri" pitchFamily="34" charset="0"/>
+              </a:rPr>
+              <a:t>Tasks that are in least need of the processor wait on the right side of the tree</a:t>
+            </a:r>
+          </a:p>
+          <a:p>
             <a:pPr eaLnBrk="1" hangingPunct="1"/>
+            <a:endParaRPr lang="en-US" sz="3200" dirty="0">
+              <a:latin typeface="Calibri" pitchFamily="34" charset="0"/>
+            </a:endParaRPr>
+          </a:p>
+          <a:p>
+            <a:pPr eaLnBrk="1" hangingPunct="1"/>
+            <a:endParaRPr lang="en-US" sz="3200" dirty="0">
+              <a:latin typeface="Calibri" pitchFamily="34" charset="0"/>
+            </a:endParaRPr>
+          </a:p>
+          <a:p>
+            <a:pPr eaLnBrk="1" hangingPunct="1"/>
+            <a:endParaRPr lang="en-US" sz="3200" dirty="0">
+              <a:latin typeface="Calibri" pitchFamily="34" charset="0"/>
+            </a:endParaRPr>
+          </a:p>
+          <a:p>
+            <a:pPr eaLnBrk="1" hangingPunct="1"/>
+            <a:endParaRPr lang="en-US" sz="3200" dirty="0">
+              <a:latin typeface="Calibri" pitchFamily="34" charset="0"/>
+            </a:endParaRPr>
+          </a:p>
+          <a:p>
+            <a:pPr eaLnBrk="1" hangingPunct="1"/>
+            <a:endParaRPr lang="en-US" sz="3200" dirty="0">
+              <a:latin typeface="Calibri" pitchFamily="34" charset="0"/>
+            </a:endParaRPr>
+          </a:p>
+          <a:p>
+            <a:pPr eaLnBrk="1" hangingPunct="1"/>
+            <a:endParaRPr lang="en-US" sz="3200" dirty="0">
+              <a:latin typeface="Calibri" pitchFamily="34" charset="0"/>
+            </a:endParaRPr>
+          </a:p>
+          <a:p>
+            <a:pPr eaLnBrk="1" hangingPunct="1"/>
+            <a:endParaRPr lang="en-US" sz="3200" dirty="0">
+              <a:latin typeface="Calibri" pitchFamily="34" charset="0"/>
+            </a:endParaRPr>
+          </a:p>
+          <a:p>
+            <a:pPr marL="457200" indent="-457200" eaLnBrk="1" hangingPunct="1">
+              <a:buFont typeface="Arial" panose="020B0604020202020204" pitchFamily="34" charset="0"/>
+              <a:buChar char="•"/>
+            </a:pPr>
+            <a:r>
+              <a:rPr lang="en-US" sz="3200" dirty="0">
+                <a:latin typeface="Calibri" pitchFamily="34" charset="0"/>
+              </a:rPr>
+              <a:t>Left most node chosen to run, then inserted  back into the tree after time is up</a:t>
+            </a:r>
+          </a:p>
+          <a:p>
+            <a:pPr marL="457200" indent="-457200" eaLnBrk="1" hangingPunct="1">
+              <a:buFont typeface="Arial" panose="020B0604020202020204" pitchFamily="34" charset="0"/>
+              <a:buChar char="•"/>
+            </a:pPr>
+            <a:r>
+              <a:rPr lang="en-US" sz="3200" dirty="0">
+                <a:latin typeface="Calibri" pitchFamily="34" charset="0"/>
+              </a:rPr>
+              <a:t>Virtual runtime used as “key” to sort </a:t>
+            </a:r>
             <a:r>
               <a:rPr lang="en-US" sz="3200" dirty="0" smtClean="0">
                 <a:latin typeface="Calibri" pitchFamily="34" charset="0"/>
               </a:rPr>
-              <a:t>Info about scenario 1</a:t>
+              <a:t>on</a:t>
             </a:r>
             <a:endParaRPr lang="en-US" sz="3200" dirty="0">
               <a:latin typeface="Calibri" pitchFamily="34" charset="0"/>
@@ -3259,18 +3313,13 @@
           <a:p>
             <a:pPr algn="ctr"/>
             <a:r>
-              <a:rPr lang="en-US" sz="4400" b="1" dirty="0" smtClean="0">
+              <a:rPr lang="en-US" sz="4400" b="1" dirty="0">
                 <a:solidFill>
                   <a:schemeClr val="bg1"/>
                 </a:solidFill>
               </a:rPr>
-              <a:t>Scenario 1</a:t>
-            </a:r>
-            <a:endParaRPr lang="en-US" sz="4400" b="1" dirty="0">
-              <a:solidFill>
-                <a:schemeClr val="bg1"/>
-              </a:solidFill>
-            </a:endParaRPr>
+              <a:t>Linux Completely Fair Scheduler</a:t>
+            </a:r>
           </a:p>
         </p:txBody>
       </p:sp>
@@ -3285,7 +3334,7 @@
         <p:spPr bwMode="auto">
           <a:xfrm>
             <a:off x="29058042" y="5486400"/>
-            <a:ext cx="13167360" cy="769395"/>
+            <a:ext cx="13167360" cy="9140917"/>
           </a:xfrm>
           <a:prstGeom prst="rect">
             <a:avLst/>
@@ -3410,9 +3459,179 @@
               <a:rPr lang="en-US" sz="3200" dirty="0" smtClean="0">
                 <a:latin typeface="Calibri" pitchFamily="34" charset="0"/>
               </a:rPr>
-              <a:t>Discuss relevant uses in tech now</a:t>
-            </a:r>
+              <a:t>Places RB Trees could be used: </a:t>
+            </a:r>
+          </a:p>
+          <a:p>
+            <a:pPr eaLnBrk="1" hangingPunct="1"/>
             <a:endParaRPr lang="en-US" sz="3200" dirty="0">
+              <a:latin typeface="Calibri" pitchFamily="34" charset="0"/>
+            </a:endParaRPr>
+          </a:p>
+          <a:p>
+            <a:pPr marL="571500" indent="-571500" eaLnBrk="1" hangingPunct="1">
+              <a:buAutoNum type="romanUcPeriod"/>
+            </a:pPr>
+            <a:r>
+              <a:rPr lang="en-US" sz="3200" dirty="0" smtClean="0">
+                <a:latin typeface="Calibri" pitchFamily="34" charset="0"/>
+              </a:rPr>
+              <a:t>Projects</a:t>
+            </a:r>
+          </a:p>
+          <a:p>
+            <a:pPr lvl="1" indent="0" eaLnBrk="1" hangingPunct="1"/>
+            <a:r>
+              <a:rPr lang="en-US" sz="3200" dirty="0" smtClean="0">
+                <a:latin typeface="Calibri" pitchFamily="34" charset="0"/>
+              </a:rPr>
+              <a:t>a.</a:t>
+            </a:r>
+          </a:p>
+          <a:p>
+            <a:pPr lvl="1" indent="0" eaLnBrk="1" hangingPunct="1"/>
+            <a:r>
+              <a:rPr lang="en-US" sz="3200" dirty="0" smtClean="0">
+                <a:latin typeface="Calibri" pitchFamily="34" charset="0"/>
+              </a:rPr>
+              <a:t>b.</a:t>
+            </a:r>
+          </a:p>
+          <a:p>
+            <a:pPr eaLnBrk="1" hangingPunct="1"/>
+            <a:r>
+              <a:rPr lang="en-US" sz="3200" dirty="0" smtClean="0">
+                <a:latin typeface="Calibri" pitchFamily="34" charset="0"/>
+              </a:rPr>
+              <a:t>II. Data Structures</a:t>
+            </a:r>
+          </a:p>
+          <a:p>
+            <a:pPr lvl="1" indent="0" eaLnBrk="1" hangingPunct="1"/>
+            <a:r>
+              <a:rPr lang="en-US" sz="3200" dirty="0">
+                <a:latin typeface="Calibri" pitchFamily="34" charset="0"/>
+              </a:rPr>
+              <a:t>	 a.</a:t>
+            </a:r>
+          </a:p>
+          <a:p>
+            <a:pPr lvl="1" indent="0" eaLnBrk="1" hangingPunct="1"/>
+            <a:r>
+              <a:rPr lang="en-US" sz="3200" dirty="0" smtClean="0">
+                <a:latin typeface="Calibri" pitchFamily="34" charset="0"/>
+              </a:rPr>
+              <a:t>   b</a:t>
+            </a:r>
+            <a:r>
+              <a:rPr lang="en-US" sz="3200" dirty="0">
+                <a:latin typeface="Calibri" pitchFamily="34" charset="0"/>
+              </a:rPr>
+              <a:t>.</a:t>
+            </a:r>
+            <a:endParaRPr lang="en-US" sz="3200" dirty="0" smtClean="0">
+              <a:latin typeface="Calibri" pitchFamily="34" charset="0"/>
+            </a:endParaRPr>
+          </a:p>
+          <a:p>
+            <a:pPr eaLnBrk="1" hangingPunct="1"/>
+            <a:r>
+              <a:rPr lang="en-US" sz="3200" dirty="0" smtClean="0">
+                <a:latin typeface="Calibri" pitchFamily="34" charset="0"/>
+              </a:rPr>
+              <a:t>III. Games</a:t>
+            </a:r>
+          </a:p>
+          <a:p>
+            <a:pPr eaLnBrk="1" hangingPunct="1"/>
+            <a:r>
+              <a:rPr lang="en-US" sz="3200" dirty="0">
+                <a:latin typeface="Calibri" pitchFamily="34" charset="0"/>
+              </a:rPr>
+              <a:t>	</a:t>
+            </a:r>
+            <a:r>
+              <a:rPr lang="en-US" sz="3200" dirty="0" smtClean="0">
+                <a:latin typeface="Calibri" pitchFamily="34" charset="0"/>
+              </a:rPr>
+              <a:t>a. Caves</a:t>
+            </a:r>
+          </a:p>
+          <a:p>
+            <a:pPr eaLnBrk="1" hangingPunct="1"/>
+            <a:r>
+              <a:rPr lang="en-US" sz="3200" dirty="0">
+                <a:latin typeface="Calibri" pitchFamily="34" charset="0"/>
+              </a:rPr>
+              <a:t>	</a:t>
+            </a:r>
+            <a:r>
+              <a:rPr lang="en-US" sz="3200" dirty="0" smtClean="0">
+                <a:latin typeface="Calibri" pitchFamily="34" charset="0"/>
+              </a:rPr>
+              <a:t>b. Terrain?</a:t>
+            </a:r>
+          </a:p>
+          <a:p>
+            <a:pPr eaLnBrk="1" hangingPunct="1"/>
+            <a:r>
+              <a:rPr lang="en-US" sz="3200" dirty="0" smtClean="0">
+                <a:latin typeface="Calibri" pitchFamily="34" charset="0"/>
+              </a:rPr>
+              <a:t>	c. Mazes</a:t>
+            </a:r>
+          </a:p>
+          <a:p>
+            <a:pPr eaLnBrk="1" hangingPunct="1"/>
+            <a:r>
+              <a:rPr lang="en-US" sz="3200" dirty="0" smtClean="0">
+                <a:latin typeface="Calibri" pitchFamily="34" charset="0"/>
+              </a:rPr>
+              <a:t>IV. Math Problems ?</a:t>
+            </a:r>
+          </a:p>
+          <a:p>
+            <a:pPr lvl="1" indent="0" eaLnBrk="1" hangingPunct="1"/>
+            <a:r>
+              <a:rPr lang="en-US" sz="3200" dirty="0">
+                <a:latin typeface="Calibri" pitchFamily="34" charset="0"/>
+              </a:rPr>
+              <a:t>	 a.</a:t>
+            </a:r>
+          </a:p>
+          <a:p>
+            <a:pPr lvl="1" indent="0" eaLnBrk="1" hangingPunct="1"/>
+            <a:r>
+              <a:rPr lang="en-US" sz="3200" dirty="0" smtClean="0">
+                <a:latin typeface="Calibri" pitchFamily="34" charset="0"/>
+              </a:rPr>
+              <a:t>	 b</a:t>
+            </a:r>
+            <a:r>
+              <a:rPr lang="en-US" sz="3200" dirty="0">
+                <a:latin typeface="Calibri" pitchFamily="34" charset="0"/>
+              </a:rPr>
+              <a:t>.</a:t>
+            </a:r>
+            <a:endParaRPr lang="en-US" sz="3200" dirty="0" smtClean="0">
+              <a:latin typeface="Calibri" pitchFamily="34" charset="0"/>
+            </a:endParaRPr>
+          </a:p>
+          <a:p>
+            <a:pPr eaLnBrk="1" hangingPunct="1"/>
+            <a:endParaRPr lang="en-US" sz="3200" dirty="0">
+              <a:latin typeface="Calibri" pitchFamily="34" charset="0"/>
+            </a:endParaRPr>
+          </a:p>
+          <a:p>
+            <a:pPr eaLnBrk="1" hangingPunct="1"/>
+            <a:endParaRPr lang="en-US" sz="3200" dirty="0" smtClean="0">
+              <a:latin typeface="Calibri" pitchFamily="34" charset="0"/>
+            </a:endParaRPr>
+          </a:p>
+          <a:p>
+            <a:pPr eaLnBrk="1" hangingPunct="1"/>
+            <a:endParaRPr lang="en-US" sz="3200" dirty="0" smtClean="0">
               <a:latin typeface="Calibri" pitchFamily="34" charset="0"/>
             </a:endParaRPr>
           </a:p>
@@ -3487,8 +3706,8 @@
         </p:nvSpPr>
         <p:spPr bwMode="auto">
           <a:xfrm>
-            <a:off x="29260800" y="17707692"/>
-            <a:ext cx="13167360" cy="769395"/>
+            <a:off x="29260800" y="17801673"/>
+            <a:ext cx="13167360" cy="3724050"/>
           </a:xfrm>
           <a:prstGeom prst="rect">
             <a:avLst/>
@@ -3613,7 +3832,13 @@
               <a:rPr lang="en-US" sz="3200" dirty="0" smtClean="0">
                 <a:latin typeface="Calibri" pitchFamily="34" charset="0"/>
               </a:rPr>
-              <a:t>Talk about the conclusions that we made from our research</a:t>
+              <a:t>RB Trees ar</a:t>
+            </a:r>
+            <a:r>
+              <a:rPr lang="en-US" sz="3200" dirty="0" smtClean="0">
+                <a:latin typeface="Calibri" pitchFamily="34" charset="0"/>
+              </a:rPr>
+              <a:t>e used in real world systems to make searching and sorting easier, faster, and more efficient. Red Black trees are often times the most efficient tree-like data structure to use in the appropriate context. The Red Black Tree can also be used to implement other data structures in the most efficient way possible. Although RB Trees are generally very efficient in terms of time complexity, they are sometimes less efficient than other data structures because of memory over head. </a:t>
             </a:r>
             <a:endParaRPr lang="en-US" sz="3200" dirty="0">
               <a:latin typeface="Calibri" pitchFamily="34" charset="0"/>
@@ -3629,7 +3854,7 @@
         </p:nvSpPr>
         <p:spPr>
           <a:xfrm>
-            <a:off x="29260800" y="17018349"/>
+            <a:off x="29260800" y="17070153"/>
             <a:ext cx="13167360" cy="731520"/>
           </a:xfrm>
           <a:prstGeom prst="rect">
@@ -3690,8 +3915,8 @@
         </p:nvSpPr>
         <p:spPr bwMode="auto">
           <a:xfrm>
-            <a:off x="15332103" y="13800409"/>
-            <a:ext cx="13167360" cy="769395"/>
+            <a:off x="15411402" y="22246600"/>
+            <a:ext cx="13167360" cy="5693820"/>
           </a:xfrm>
           <a:prstGeom prst="rect">
             <a:avLst/>
@@ -3813,20 +4038,89 @@
           <a:p>
             <a:pPr eaLnBrk="1" hangingPunct="1"/>
             <a:r>
-              <a:rPr lang="en-US" sz="3200" dirty="0">
-                <a:latin typeface="Calibri" pitchFamily="34" charset="0"/>
-              </a:rPr>
-              <a:t>Info about scenario </a:t>
-            </a:r>
-            <a:r>
               <a:rPr lang="en-US" sz="3200" dirty="0" smtClean="0">
                 <a:latin typeface="Calibri" pitchFamily="34" charset="0"/>
               </a:rPr>
-              <a:t>2</a:t>
-            </a:r>
+              <a:t>We proposed a system in which Red Black Trees were used directly and indirectly. </a:t>
+            </a:r>
+          </a:p>
+          <a:p>
+            <a:pPr marL="457200" indent="-457200" eaLnBrk="1" hangingPunct="1">
+              <a:buFont typeface="Arial" panose="020B0604020202020204" pitchFamily="34" charset="0"/>
+              <a:buChar char="•"/>
+            </a:pPr>
+            <a:r>
+              <a:rPr lang="en-US" sz="3200" dirty="0" smtClean="0">
+                <a:latin typeface="Calibri" pitchFamily="34" charset="0"/>
+              </a:rPr>
+              <a:t>RB Tree Indirect Use: </a:t>
+            </a:r>
+            <a:r>
+              <a:rPr lang="en-US" sz="3200" dirty="0" smtClean="0">
+                <a:latin typeface="Calibri" pitchFamily="34" charset="0"/>
+              </a:rPr>
+              <a:t>We placed students into a Java Tree Map</a:t>
+            </a:r>
+          </a:p>
+          <a:p>
+            <a:pPr marL="457200" indent="-457200" eaLnBrk="1" hangingPunct="1">
+              <a:buFont typeface="Arial" panose="020B0604020202020204" pitchFamily="34" charset="0"/>
+              <a:buChar char="•"/>
+            </a:pPr>
+            <a:r>
+              <a:rPr lang="en-US" sz="3200" dirty="0" smtClean="0">
+                <a:latin typeface="Calibri" pitchFamily="34" charset="0"/>
+              </a:rPr>
+              <a:t>RB Tree Direct Use: We used a RB Tree implementation to organize students’ ID numbers</a:t>
+            </a:r>
+          </a:p>
+          <a:p>
+            <a:pPr eaLnBrk="1" hangingPunct="1"/>
             <a:endParaRPr lang="en-US" sz="3200" dirty="0">
               <a:latin typeface="Calibri" pitchFamily="34" charset="0"/>
             </a:endParaRPr>
+          </a:p>
+          <a:p>
+            <a:pPr eaLnBrk="1" hangingPunct="1"/>
+            <a:r>
+              <a:rPr lang="en-US" sz="3200" dirty="0" smtClean="0">
+                <a:latin typeface="Calibri" pitchFamily="34" charset="0"/>
+              </a:rPr>
+              <a:t>Theoretical Calculations: RB trees compared to BST or AVL</a:t>
+            </a:r>
+          </a:p>
+          <a:p>
+            <a:pPr eaLnBrk="1" hangingPunct="1"/>
+            <a:endParaRPr lang="en-US" sz="3200" dirty="0" smtClean="0">
+              <a:latin typeface="Calibri" pitchFamily="34" charset="0"/>
+            </a:endParaRPr>
+          </a:p>
+          <a:p>
+            <a:pPr eaLnBrk="1" hangingPunct="1"/>
+            <a:r>
+              <a:rPr lang="en-US" sz="3200" dirty="0" smtClean="0">
+                <a:latin typeface="Calibri" pitchFamily="34" charset="0"/>
+              </a:rPr>
+              <a:t>Input size: 2000 lines</a:t>
+            </a:r>
+          </a:p>
+          <a:p>
+            <a:pPr eaLnBrk="1" hangingPunct="1"/>
+            <a:r>
+              <a:rPr lang="en-US" sz="3200" dirty="0" smtClean="0">
+                <a:latin typeface="Calibri" pitchFamily="34" charset="0"/>
+              </a:rPr>
+              <a:t>Linear Data Structure: O(N)</a:t>
+            </a:r>
+          </a:p>
+          <a:p>
+            <a:pPr eaLnBrk="1" hangingPunct="1"/>
+            <a:r>
+              <a:rPr lang="en-US" sz="3200" dirty="0" smtClean="0">
+                <a:latin typeface="Calibri" pitchFamily="34" charset="0"/>
+              </a:rPr>
+              <a:t>RB Tree: O(log_2)</a:t>
+            </a:r>
           </a:p>
         </p:txBody>
       </p:sp>
@@ -3838,7 +4132,7 @@
         </p:nvSpPr>
         <p:spPr>
           <a:xfrm>
-            <a:off x="15361920" y="13029951"/>
+            <a:off x="15391737" y="21520057"/>
             <a:ext cx="13167360" cy="731520"/>
           </a:xfrm>
           <a:prstGeom prst="rect">
@@ -3879,12 +4173,20 @@
           <a:p>
             <a:pPr algn="ctr"/>
             <a:r>
-              <a:rPr lang="en-US" sz="4400" b="1" dirty="0">
+              <a:rPr lang="en-US" sz="4400" b="1" dirty="0" smtClean="0">
                 <a:solidFill>
                   <a:schemeClr val="bg1"/>
                 </a:solidFill>
               </a:rPr>
-              <a:t>Scenario </a:t>
+              <a:t>Implementing </a:t>
+            </a:r>
+            <a:r>
+              <a:rPr lang="en-US" sz="4400" b="1" dirty="0" err="1" smtClean="0">
+                <a:solidFill>
+                  <a:schemeClr val="bg1"/>
+                </a:solidFill>
+              </a:rPr>
+              <a:t>TreeMaps</a:t>
             </a:r>
             <a:r>
               <a:rPr lang="en-US" sz="4400" b="1" dirty="0" smtClean="0">
@@ -3892,7 +4194,7 @@
                   <a:schemeClr val="bg1"/>
                 </a:solidFill>
               </a:rPr>
-              <a:t>2</a:t>
+              <a:t> Using Red Black Trees</a:t>
             </a:r>
             <a:endParaRPr lang="en-US" sz="4400" b="1" dirty="0">
               <a:solidFill>
@@ -3910,7 +4212,7 @@
         </p:nvSpPr>
         <p:spPr>
           <a:xfrm>
-            <a:off x="15332103" y="21671095"/>
+            <a:off x="15361920" y="14838941"/>
             <a:ext cx="13167360" cy="731520"/>
           </a:xfrm>
           <a:prstGeom prst="rect">
@@ -3956,7 +4258,7 @@
                   <a:schemeClr val="bg1"/>
                 </a:solidFill>
               </a:rPr>
-              <a:t>Scenario 3</a:t>
+              <a:t>Implementing Data Structures using RB Trees</a:t>
             </a:r>
             <a:endParaRPr lang="en-US" sz="4400" b="1" dirty="0">
               <a:solidFill>
@@ -3976,8 +4278,8 @@
         </p:nvSpPr>
         <p:spPr bwMode="auto">
           <a:xfrm>
-            <a:off x="15332103" y="22448768"/>
-            <a:ext cx="13167360" cy="769395"/>
+            <a:off x="15361920" y="15570461"/>
+            <a:ext cx="13167360" cy="5201377"/>
           </a:xfrm>
           <a:prstGeom prst="rect">
             <a:avLst/>
@@ -4099,18 +4401,120 @@
           <a:p>
             <a:pPr eaLnBrk="1" hangingPunct="1"/>
             <a:r>
+              <a:rPr lang="en-US" sz="3200" dirty="0" smtClean="0">
+                <a:latin typeface="Calibri" pitchFamily="34" charset="0"/>
+              </a:rPr>
+              <a:t>Programming Languages use Red Black Trees to implement other data structures. </a:t>
+            </a:r>
+          </a:p>
+          <a:p>
+            <a:pPr eaLnBrk="1" hangingPunct="1"/>
+            <a:endParaRPr lang="en-US" sz="3200" dirty="0">
+              <a:latin typeface="Calibri" pitchFamily="34" charset="0"/>
+            </a:endParaRPr>
+          </a:p>
+          <a:p>
+            <a:pPr eaLnBrk="1" hangingPunct="1"/>
+            <a:r>
+              <a:rPr lang="en-US" sz="3200" dirty="0" smtClean="0">
+                <a:latin typeface="Calibri" pitchFamily="34" charset="0"/>
+              </a:rPr>
+              <a:t>Java – Tree Maps, Tree Sets</a:t>
+            </a:r>
+          </a:p>
+          <a:p>
+            <a:pPr eaLnBrk="1" hangingPunct="1"/>
+            <a:r>
+              <a:rPr lang="en-US" sz="3200" dirty="0" smtClean="0">
+                <a:latin typeface="Calibri" pitchFamily="34" charset="0"/>
+              </a:rPr>
+              <a:t>C++ – </a:t>
+            </a:r>
+          </a:p>
+          <a:p>
+            <a:pPr eaLnBrk="1" hangingPunct="1"/>
+            <a:r>
+              <a:rPr lang="en-US" sz="3200" dirty="0" smtClean="0">
+                <a:latin typeface="Calibri" pitchFamily="34" charset="0"/>
+              </a:rPr>
+              <a:t>Other </a:t>
+            </a:r>
+            <a:r>
+              <a:rPr lang="en-US" sz="3200" dirty="0" err="1" smtClean="0">
+                <a:latin typeface="Calibri" pitchFamily="34" charset="0"/>
+              </a:rPr>
+              <a:t>lang</a:t>
+            </a:r>
+            <a:r>
+              <a:rPr lang="en-US" sz="3200" dirty="0" smtClean="0">
+                <a:latin typeface="Calibri" pitchFamily="34" charset="0"/>
+              </a:rPr>
+              <a:t> –</a:t>
+            </a:r>
+          </a:p>
+          <a:p>
+            <a:pPr eaLnBrk="1" hangingPunct="1"/>
+            <a:r>
+              <a:rPr lang="en-US" sz="3200" dirty="0" smtClean="0">
+                <a:latin typeface="Calibri" pitchFamily="34" charset="0"/>
+              </a:rPr>
+              <a:t>Other </a:t>
+            </a:r>
+            <a:r>
+              <a:rPr lang="en-US" sz="3200" dirty="0" err="1" smtClean="0">
+                <a:latin typeface="Calibri" pitchFamily="34" charset="0"/>
+              </a:rPr>
+              <a:t>lang</a:t>
+            </a:r>
+            <a:r>
+              <a:rPr lang="en-US" sz="3200" dirty="0" smtClean="0">
+                <a:latin typeface="Calibri" pitchFamily="34" charset="0"/>
+              </a:rPr>
+              <a:t> </a:t>
+            </a:r>
+            <a:r>
               <a:rPr lang="en-US" sz="3200" dirty="0">
                 <a:latin typeface="Calibri" pitchFamily="34" charset="0"/>
               </a:rPr>
-              <a:t>Info about scenario </a:t>
-            </a:r>
+              <a:t>– </a:t>
+            </a:r>
+            <a:endParaRPr lang="en-US" sz="3200" dirty="0" smtClean="0">
+              <a:latin typeface="Calibri" pitchFamily="34" charset="0"/>
+            </a:endParaRPr>
+          </a:p>
+          <a:p>
+            <a:pPr eaLnBrk="1" hangingPunct="1"/>
             <a:r>
               <a:rPr lang="en-US" sz="3200" dirty="0" smtClean="0">
                 <a:latin typeface="Calibri" pitchFamily="34" charset="0"/>
               </a:rPr>
-              <a:t>3</a:t>
+              <a:t>Other </a:t>
+            </a:r>
+            <a:r>
+              <a:rPr lang="en-US" sz="3200" dirty="0" err="1" smtClean="0">
+                <a:latin typeface="Calibri" pitchFamily="34" charset="0"/>
+              </a:rPr>
+              <a:t>lang</a:t>
+            </a:r>
+            <a:r>
+              <a:rPr lang="en-US" sz="3200" dirty="0" smtClean="0">
+                <a:latin typeface="Calibri" pitchFamily="34" charset="0"/>
+              </a:rPr>
+              <a:t> – </a:t>
             </a:r>
             <a:endParaRPr lang="en-US" sz="3200" dirty="0">
+              <a:latin typeface="Calibri" pitchFamily="34" charset="0"/>
+            </a:endParaRPr>
+          </a:p>
+          <a:p>
+            <a:pPr eaLnBrk="1" hangingPunct="1"/>
+            <a:endParaRPr lang="en-US" sz="3200" dirty="0" smtClean="0">
+              <a:latin typeface="Calibri" pitchFamily="34" charset="0"/>
+            </a:endParaRPr>
+          </a:p>
+          <a:p>
+            <a:pPr eaLnBrk="1" hangingPunct="1"/>
+            <a:endParaRPr lang="en-US" sz="3200" dirty="0" smtClean="0">
               <a:latin typeface="Calibri" pitchFamily="34" charset="0"/>
             </a:endParaRPr>
           </a:p>
@@ -4126,7 +4530,7 @@
         </p:nvSpPr>
         <p:spPr bwMode="auto">
           <a:xfrm>
-            <a:off x="1486231" y="17078588"/>
+            <a:off x="1463040" y="12802589"/>
             <a:ext cx="13167360" cy="11110687"/>
           </a:xfrm>
           <a:prstGeom prst="rect">
@@ -4252,47 +4656,8 @@
               <a:rPr lang="en-US" sz="3200" dirty="0">
                 <a:latin typeface="+mn-lt"/>
               </a:rPr>
-              <a:t>A red black tree is a self balancing binary tree. The nodes on a red black </a:t>
-            </a:r>
-            <a:r>
-              <a:rPr lang="en-US" sz="3200" dirty="0" smtClean="0">
-                <a:latin typeface="+mn-lt"/>
-              </a:rPr>
-              <a:t>tree have </a:t>
-            </a:r>
-            <a:r>
-              <a:rPr lang="en-US" sz="3200" dirty="0">
-                <a:latin typeface="+mn-lt"/>
-              </a:rPr>
-              <a:t>an extra attribute which signifies their color. There are two colors which </a:t>
-            </a:r>
-            <a:r>
-              <a:rPr lang="en-US" sz="3200" dirty="0" smtClean="0">
-                <a:latin typeface="+mn-lt"/>
-              </a:rPr>
-              <a:t>are used </a:t>
-            </a:r>
-            <a:r>
-              <a:rPr lang="en-US" sz="3200" dirty="0">
-                <a:latin typeface="+mn-lt"/>
-              </a:rPr>
-              <a:t>in Red Black trees. The color attribute per node is used as a tool for completing </a:t>
-            </a:r>
-            <a:r>
-              <a:rPr lang="en-US" sz="3200" dirty="0" smtClean="0">
-                <a:latin typeface="+mn-lt"/>
-              </a:rPr>
-              <a:t>an </a:t>
-            </a:r>
-            <a:r>
-              <a:rPr lang="en-US" sz="3200" dirty="0">
-                <a:latin typeface="+mn-lt"/>
-              </a:rPr>
-              <a:t>approximate balancing of the tree. Some properties of RB trees are as follows: </a:t>
-            </a:r>
-            <a:endParaRPr lang="en-US" sz="3200" dirty="0" smtClean="0">
-              <a:latin typeface="+mn-lt"/>
-            </a:endParaRPr>
+              <a:t>A red black tree is a self balancing binary tree. The nodes on a red black tree have an extra attribute which signifies their color. There are two colors which are used in Red Black trees. The color attribute per node is used as a tool for completing an approximate balancing of the tree. Some properties of RB trees are as follows: </a:t>
+            </a:r>
           </a:p>
           <a:p>
             <a:pPr marL="1200150" lvl="1" indent="-457200" eaLnBrk="1" hangingPunct="1">
@@ -4366,16 +4731,7 @@
                 </a:solidFill>
                 <a:latin typeface="Calibri" panose="020F0502020204030204"/>
               </a:rPr>
-              <a:t>Any path from a given node to a leaf contains the same number of black nodes</a:t>
-            </a:r>
-            <a:r>
-              <a:rPr lang="en-US" sz="3200" dirty="0" smtClean="0">
-                <a:solidFill>
-                  <a:prstClr val="black"/>
-                </a:solidFill>
-                <a:latin typeface="Calibri" panose="020F0502020204030204"/>
-              </a:rPr>
-              <a:t>.</a:t>
+              <a:t>Any path from a given node to a leaf contains the same number of black nodes.</a:t>
             </a:r>
           </a:p>
           <a:p>
@@ -4395,7 +4751,7 @@
               <a:buFont typeface="Arial" panose="020B0604020202020204" pitchFamily="34" charset="0"/>
               <a:buChar char="•"/>
             </a:pPr>
-            <a:endParaRPr lang="en-US" sz="3200" dirty="0" smtClean="0">
+            <a:endParaRPr lang="en-US" sz="3200" dirty="0">
               <a:solidFill>
                 <a:prstClr val="black"/>
               </a:solidFill>
@@ -4419,7 +4775,7 @@
               <a:buFont typeface="Arial" panose="020B0604020202020204" pitchFamily="34" charset="0"/>
               <a:buChar char="•"/>
             </a:pPr>
-            <a:endParaRPr lang="en-US" sz="3200" dirty="0" smtClean="0">
+            <a:endParaRPr lang="en-US" sz="3200" dirty="0">
               <a:solidFill>
                 <a:prstClr val="black"/>
               </a:solidFill>
@@ -4443,7 +4799,7 @@
               <a:buFont typeface="Arial" panose="020B0604020202020204" pitchFamily="34" charset="0"/>
               <a:buChar char="•"/>
             </a:pPr>
-            <a:endParaRPr lang="en-US" sz="3200" dirty="0" smtClean="0">
+            <a:endParaRPr lang="en-US" sz="3200" dirty="0">
               <a:solidFill>
                 <a:prstClr val="black"/>
               </a:solidFill>
@@ -4467,7 +4823,7 @@
               <a:buFont typeface="Arial" panose="020B0604020202020204" pitchFamily="34" charset="0"/>
               <a:buChar char="•"/>
             </a:pPr>
-            <a:endParaRPr lang="en-US" sz="3200" dirty="0" smtClean="0">
+            <a:endParaRPr lang="en-US" sz="3200" dirty="0">
               <a:solidFill>
                 <a:prstClr val="black"/>
               </a:solidFill>
@@ -4479,13 +4835,13 @@
               <a:buFont typeface="Arial" panose="020B0604020202020204" pitchFamily="34" charset="0"/>
               <a:buChar char="•"/>
             </a:pPr>
-            <a:endParaRPr lang="en-US" sz="3200" dirty="0" smtClean="0">
+            <a:endParaRPr lang="en-US" sz="3200" dirty="0">
               <a:latin typeface="+mn-lt"/>
             </a:endParaRPr>
           </a:p>
           <a:p>
             <a:pPr eaLnBrk="1" hangingPunct="1"/>
-            <a:endParaRPr lang="en-US" sz="3200" dirty="0" smtClean="0">
+            <a:endParaRPr lang="en-US" sz="3200" dirty="0">
               <a:latin typeface="+mn-lt"/>
             </a:endParaRPr>
           </a:p>
@@ -4505,7 +4861,7 @@
         </p:nvSpPr>
         <p:spPr>
           <a:xfrm>
-            <a:off x="1463040" y="16344899"/>
+            <a:off x="1463040" y="12083420"/>
             <a:ext cx="13167360" cy="731520"/>
           </a:xfrm>
           <a:prstGeom prst="rect">
@@ -4578,7 +4934,7 @@
         </p:blipFill>
         <p:spPr>
           <a:xfrm>
-            <a:off x="3764611" y="22800063"/>
+            <a:off x="3924300" y="18477087"/>
             <a:ext cx="8610600" cy="4991230"/>
           </a:xfrm>
           <a:prstGeom prst="rect">
@@ -4586,6 +4942,78 @@
           </a:prstGeom>
         </p:spPr>
       </p:pic>
+      <p:pic>
+        <p:nvPicPr>
+          <p:cNvPr id="1028" name="Picture 4" descr="Image result for linux completely fair scheduler">
+            <a:extLst>
+              <a:ext uri="{FF2B5EF4-FFF2-40B4-BE49-F238E27FC236}">
+                <a16:creationId xmlns:a16="http://schemas.microsoft.com/office/drawing/2014/main" id="{8084E8F1-3811-4143-A85F-59F329044689}"/>
+              </a:ext>
+            </a:extLst>
+          </p:cNvPr>
+          <p:cNvPicPr>
+            <a:picLocks noChangeAspect="1" noChangeArrowheads="1"/>
+          </p:cNvPicPr>
+          <p:nvPr/>
+        </p:nvPicPr>
+        <p:blipFill>
+          <a:blip r:embed="rId3">
+            <a:extLst>
+              <a:ext uri="{28A0092B-C50C-407E-A947-70E740481C1C}">
+                <a14:useLocalDpi xmlns:a14="http://schemas.microsoft.com/office/drawing/2010/main" val="0"/>
+              </a:ext>
+            </a:extLst>
+          </a:blip>
+          <a:srcRect/>
+          <a:stretch>
+            <a:fillRect/>
+          </a:stretch>
+        </p:blipFill>
+        <p:spPr bwMode="auto">
+          <a:xfrm>
+            <a:off x="18592800" y="7222729"/>
+            <a:ext cx="5746766" cy="3668415"/>
+          </a:xfrm>
+          <a:prstGeom prst="rect">
+            <a:avLst/>
+          </a:prstGeom>
+          <a:extLst>
+            <a:ext uri="{909E8E84-426E-40DD-AFC4-6F175D3DCCD1}">
+              <a14:hiddenFill xmlns:a14="http://schemas.microsoft.com/office/drawing/2010/main">
+                <a:solidFill>
+                  <a:srgbClr val="FFFFFF"/>
+                </a:solidFill>
+              </a14:hiddenFill>
+            </a:ext>
+          </a:extLst>
+        </p:spPr>
+      </p:pic>
+      <p:sp>
+        <p:nvSpPr>
+          <p:cNvPr id="2" name="TextBox 1"/>
+          <p:cNvSpPr txBox="1"/>
+          <p:nvPr/>
+        </p:nvSpPr>
+        <p:spPr>
+          <a:xfrm>
+            <a:off x="20650200" y="29519675"/>
+            <a:ext cx="184731" cy="369332"/>
+          </a:xfrm>
+          <a:prstGeom prst="rect">
+            <a:avLst/>
+          </a:prstGeom>
+          <a:noFill/>
+        </p:spPr>
+        <p:txBody>
+          <a:bodyPr wrap="none" rtlCol="0">
+            <a:spAutoFit/>
+          </a:bodyPr>
+          <a:lstStyle/>
+          <a:p>
+            <a:endParaRPr lang="en-US" dirty="0"/>
+          </a:p>
+        </p:txBody>
+      </p:sp>
     </p:spTree>
     <p:extLst>
       <p:ext uri="{BB962C8B-B14F-4D97-AF65-F5344CB8AC3E}">

--- a/rbtree_poster.pptx
+++ b/rbtree_poster.pptx
@@ -3707,7 +3707,7 @@
         <p:spPr bwMode="auto">
           <a:xfrm>
             <a:off x="29260800" y="17801673"/>
-            <a:ext cx="13167360" cy="3724050"/>
+            <a:ext cx="13167360" cy="5693820"/>
           </a:xfrm>
           <a:prstGeom prst="rect">
             <a:avLst/>
@@ -3832,14 +3832,29 @@
               <a:rPr lang="en-US" sz="3200" dirty="0" smtClean="0">
                 <a:latin typeface="Calibri" pitchFamily="34" charset="0"/>
               </a:rPr>
-              <a:t>RB Trees ar</a:t>
+              <a:t>RB Trees are used in real world systems to make searching and sorting easier, faster, and more efficient. Red Black trees are often times the most efficient tree-like data structure to use in the appropriate context. The Red Black Tree can also be used to implement other data structures in the most efficient way possible. Although RB Trees are generally very efficient in terms of time complexity, they are sometimes less efficient than other data structures because of memory over head</a:t>
             </a:r>
             <a:r>
               <a:rPr lang="en-US" sz="3200" dirty="0" smtClean="0">
                 <a:latin typeface="Calibri" pitchFamily="34" charset="0"/>
               </a:rPr>
-              <a:t>e used in real world systems to make searching and sorting easier, faster, and more efficient. Red Black trees are often times the most efficient tree-like data structure to use in the appropriate context. The Red Black Tree can also be used to implement other data structures in the most efficient way possible. Although RB Trees are generally very efficient in terms of time complexity, they are sometimes less efficient than other data structures because of memory over head. </a:t>
-            </a:r>
+              <a:t>. </a:t>
+            </a:r>
+            <a:r>
+              <a:rPr lang="en-US" sz="3200" dirty="0" smtClean="0">
+                <a:latin typeface="Calibri" pitchFamily="34" charset="0"/>
+              </a:rPr>
+              <a:t>We’ve found that Red Black Trees work well along side Hash-like and Map data structures. We hope to see more Red Black Tree projects in the future. We hope to design and study more RB Tree systems and share </a:t>
+            </a:r>
+            <a:r>
+              <a:rPr lang="en-US" sz="3200" smtClean="0">
+                <a:latin typeface="Calibri" pitchFamily="34" charset="0"/>
+              </a:rPr>
+              <a:t>our results. </a:t>
+            </a:r>
+          </a:p>
+          <a:p>
+            <a:pPr eaLnBrk="1" hangingPunct="1"/>
             <a:endParaRPr lang="en-US" sz="3200" dirty="0">
               <a:latin typeface="Calibri" pitchFamily="34" charset="0"/>
             </a:endParaRPr>
@@ -4053,13 +4068,7 @@
               <a:rPr lang="en-US" sz="3200" dirty="0" smtClean="0">
                 <a:latin typeface="Calibri" pitchFamily="34" charset="0"/>
               </a:rPr>
-              <a:t>RB Tree Indirect Use: </a:t>
-            </a:r>
-            <a:r>
-              <a:rPr lang="en-US" sz="3200" dirty="0" smtClean="0">
-                <a:latin typeface="Calibri" pitchFamily="34" charset="0"/>
-              </a:rPr>
-              <a:t>We placed students into a Java Tree Map</a:t>
+              <a:t>RB Tree Indirect Use: We placed students into a Java Tree Map</a:t>
             </a:r>
           </a:p>
           <a:p>

--- a/rbtree_poster.pptx
+++ b/rbtree_poster.pptx
@@ -321,7 +321,7 @@
           <a:p>
             <a:fld id="{985D6BDF-9D0E-4E2B-85B8-D8F4790360C9}" type="datetimeFigureOut">
               <a:rPr lang="en-US" smtClean="0"/>
-              <a:t>3/26/2018</a:t>
+              <a:t>3/28/2018</a:t>
             </a:fld>
             <a:endParaRPr lang="en-US" dirty="0"/>
           </a:p>
@@ -2622,33 +2622,77 @@
           <a:lstStyle/>
           <a:p>
             <a:r>
-              <a:rPr lang="en-US" sz="2800" dirty="0"/>
-              <a:t>[name]</a:t>
-            </a:r>
-          </a:p>
-          <a:p>
-            <a:r>
-              <a:rPr lang="en-US" sz="2800" dirty="0"/>
-              <a:t>[organization]</a:t>
-            </a:r>
-          </a:p>
-          <a:p>
-            <a:r>
-              <a:rPr lang="en-US" sz="2800" dirty="0"/>
-              <a:t>[address]</a:t>
-            </a:r>
-          </a:p>
-          <a:p>
-            <a:r>
-              <a:rPr lang="en-US" sz="2800" dirty="0"/>
-              <a:t>[email]</a:t>
-            </a:r>
-          </a:p>
-          <a:p>
-            <a:r>
-              <a:rPr lang="en-US" sz="2800" dirty="0"/>
-              <a:t>[phone]</a:t>
-            </a:r>
+              <a:rPr lang="en-US" sz="2800" dirty="0" smtClean="0"/>
+              <a:t>Joanne Wardell, KD Adkins, Austin Hufstetler, Omar Batyah, Beth Norton</a:t>
+            </a:r>
+            <a:endParaRPr lang="en-US" sz="2800" dirty="0"/>
+          </a:p>
+          <a:p>
+            <a:r>
+              <a:rPr lang="en-US" sz="2800" dirty="0" smtClean="0"/>
+              <a:t>Valdosta State University, Computer Science Department</a:t>
+            </a:r>
+            <a:endParaRPr lang="en-US" sz="2800" dirty="0"/>
+          </a:p>
+          <a:p>
+            <a:r>
+              <a:rPr lang="en-US" sz="2800" dirty="0" smtClean="0"/>
+              <a:t>1500 North Patterson Street</a:t>
+            </a:r>
+            <a:endParaRPr lang="en-US" sz="2800" dirty="0"/>
+          </a:p>
+          <a:p>
+            <a:r>
+              <a:rPr lang="en-US" sz="2800" dirty="0" smtClean="0"/>
+              <a:t>{</a:t>
+            </a:r>
+            <a:r>
+              <a:rPr lang="en-US" sz="2800" dirty="0" err="1" smtClean="0"/>
+              <a:t>jawardell</a:t>
+            </a:r>
+            <a:r>
+              <a:rPr lang="en-US" sz="2800" dirty="0" smtClean="0"/>
+              <a:t>, </a:t>
+            </a:r>
+            <a:r>
+              <a:rPr lang="en-US" sz="2800" dirty="0" err="1" smtClean="0"/>
+              <a:t>dsadkins</a:t>
+            </a:r>
+            <a:r>
+              <a:rPr lang="en-US" sz="2800" dirty="0" smtClean="0"/>
+              <a:t>, </a:t>
+            </a:r>
+            <a:r>
+              <a:rPr lang="en-US" sz="2800" dirty="0" err="1" smtClean="0"/>
+              <a:t>wahufstetler</a:t>
+            </a:r>
+            <a:r>
+              <a:rPr lang="en-US" sz="2800" dirty="0" smtClean="0"/>
+              <a:t>, </a:t>
+            </a:r>
+            <a:r>
+              <a:rPr lang="en-US" sz="2800" dirty="0" err="1" smtClean="0"/>
+              <a:t>obatyah</a:t>
+            </a:r>
+            <a:r>
+              <a:rPr lang="en-US" sz="2800" dirty="0" smtClean="0"/>
+              <a:t>, </a:t>
+            </a:r>
+            <a:r>
+              <a:rPr lang="en-US" sz="2800" dirty="0" err="1" smtClean="0"/>
+              <a:t>banorton</a:t>
+            </a:r>
+            <a:r>
+              <a:rPr lang="en-US" sz="2800" dirty="0" smtClean="0"/>
+              <a:t>} @valdosta.edu</a:t>
+            </a:r>
+          </a:p>
+          <a:p>
+            <a:r>
+              <a:rPr lang="en-US" sz="2800" dirty="0" smtClean="0"/>
+              <a:t>229-245-2496</a:t>
+            </a:r>
+            <a:endParaRPr lang="en-US" sz="2800" dirty="0"/>
           </a:p>
         </p:txBody>
       </p:sp>
@@ -3043,8 +3087,8 @@
         </p:nvSpPr>
         <p:spPr bwMode="auto">
           <a:xfrm>
-            <a:off x="15361920" y="5461698"/>
-            <a:ext cx="13197177" cy="7171147"/>
+            <a:off x="15361921" y="5461698"/>
+            <a:ext cx="13167360" cy="7171147"/>
           </a:xfrm>
           <a:prstGeom prst="rect">
             <a:avLst/>
@@ -3333,8 +3377,8 @@
         </p:nvSpPr>
         <p:spPr bwMode="auto">
           <a:xfrm>
-            <a:off x="29058042" y="5486400"/>
-            <a:ext cx="13167360" cy="9140917"/>
+            <a:off x="29077920" y="5461698"/>
+            <a:ext cx="13167360" cy="8032922"/>
           </a:xfrm>
           <a:prstGeom prst="rect">
             <a:avLst/>
@@ -3456,7 +3500,7 @@
           <a:p>
             <a:pPr eaLnBrk="1" hangingPunct="1"/>
             <a:r>
-              <a:rPr lang="en-US" sz="3200" dirty="0" smtClean="0">
+              <a:rPr lang="en-US" sz="2800" dirty="0" smtClean="0">
                 <a:latin typeface="Calibri" pitchFamily="34" charset="0"/>
               </a:rPr>
               <a:t>Places RB Trees could be used: </a:t>
@@ -3464,7 +3508,7 @@
           </a:p>
           <a:p>
             <a:pPr eaLnBrk="1" hangingPunct="1"/>
-            <a:endParaRPr lang="en-US" sz="3200" dirty="0">
+            <a:endParaRPr lang="en-US" sz="2800" dirty="0">
               <a:latin typeface="Calibri" pitchFamily="34" charset="0"/>
             </a:endParaRPr>
           </a:p>
@@ -3473,7 +3517,7 @@
               <a:buAutoNum type="romanUcPeriod"/>
             </a:pPr>
             <a:r>
-              <a:rPr lang="en-US" sz="3200" dirty="0" smtClean="0">
+              <a:rPr lang="en-US" sz="2800" dirty="0" smtClean="0">
                 <a:latin typeface="Calibri" pitchFamily="34" charset="0"/>
               </a:rPr>
               <a:t>Projects</a:t>
@@ -3482,156 +3526,216 @@
           <a:p>
             <a:pPr lvl="1" indent="0" eaLnBrk="1" hangingPunct="1"/>
             <a:r>
-              <a:rPr lang="en-US" sz="3200" dirty="0" smtClean="0">
-                <a:latin typeface="Calibri" pitchFamily="34" charset="0"/>
-              </a:rPr>
-              <a:t>a.</a:t>
-            </a:r>
-          </a:p>
-          <a:p>
-            <a:pPr lvl="1" indent="0" eaLnBrk="1" hangingPunct="1"/>
-            <a:r>
-              <a:rPr lang="en-US" sz="3200" dirty="0" smtClean="0">
-                <a:latin typeface="Calibri" pitchFamily="34" charset="0"/>
-              </a:rPr>
-              <a:t>b.</a:t>
-            </a:r>
-          </a:p>
-          <a:p>
-            <a:pPr eaLnBrk="1" hangingPunct="1"/>
-            <a:r>
-              <a:rPr lang="en-US" sz="3200" dirty="0" smtClean="0">
-                <a:latin typeface="Calibri" pitchFamily="34" charset="0"/>
-              </a:rPr>
-              <a:t>II. Data Structures</a:t>
-            </a:r>
-          </a:p>
-          <a:p>
-            <a:pPr lvl="1" indent="0" eaLnBrk="1" hangingPunct="1"/>
-            <a:r>
-              <a:rPr lang="en-US" sz="3200" dirty="0">
-                <a:latin typeface="Calibri" pitchFamily="34" charset="0"/>
-              </a:rPr>
-              <a:t>	 a.</a:t>
-            </a:r>
-          </a:p>
-          <a:p>
-            <a:pPr lvl="1" indent="0" eaLnBrk="1" hangingPunct="1"/>
-            <a:r>
-              <a:rPr lang="en-US" sz="3200" dirty="0" smtClean="0">
-                <a:latin typeface="Calibri" pitchFamily="34" charset="0"/>
-              </a:rPr>
-              <a:t>   b</a:t>
-            </a:r>
-            <a:r>
-              <a:rPr lang="en-US" sz="3200" dirty="0">
-                <a:latin typeface="Calibri" pitchFamily="34" charset="0"/>
-              </a:rPr>
-              <a:t>.</a:t>
-            </a:r>
-            <a:endParaRPr lang="en-US" sz="3200" dirty="0" smtClean="0">
+              <a:rPr lang="en-US" sz="2800" dirty="0" smtClean="0">
+                <a:latin typeface="Calibri" pitchFamily="34" charset="0"/>
+              </a:rPr>
+              <a:t>a</a:t>
+            </a:r>
+            <a:r>
+              <a:rPr lang="en-US" sz="2800" dirty="0" smtClean="0">
+                <a:latin typeface="Calibri" pitchFamily="34" charset="0"/>
+              </a:rPr>
+              <a:t>. Graphics </a:t>
+            </a:r>
+            <a:endParaRPr lang="en-US" sz="2800" dirty="0" smtClean="0">
               <a:latin typeface="Calibri" pitchFamily="34" charset="0"/>
             </a:endParaRPr>
           </a:p>
           <a:p>
-            <a:pPr eaLnBrk="1" hangingPunct="1"/>
-            <a:r>
-              <a:rPr lang="en-US" sz="3200" dirty="0" smtClean="0">
-                <a:latin typeface="Calibri" pitchFamily="34" charset="0"/>
-              </a:rPr>
-              <a:t>III. Games</a:t>
-            </a:r>
-          </a:p>
-          <a:p>
-            <a:pPr eaLnBrk="1" hangingPunct="1"/>
-            <a:r>
-              <a:rPr lang="en-US" sz="3200" dirty="0">
-                <a:latin typeface="Calibri" pitchFamily="34" charset="0"/>
-              </a:rPr>
-              <a:t>	</a:t>
-            </a:r>
-            <a:r>
-              <a:rPr lang="en-US" sz="3200" dirty="0" smtClean="0">
-                <a:latin typeface="Calibri" pitchFamily="34" charset="0"/>
-              </a:rPr>
-              <a:t>a. Caves</a:t>
-            </a:r>
-          </a:p>
-          <a:p>
-            <a:pPr eaLnBrk="1" hangingPunct="1"/>
-            <a:r>
-              <a:rPr lang="en-US" sz="3200" dirty="0">
-                <a:latin typeface="Calibri" pitchFamily="34" charset="0"/>
-              </a:rPr>
-              <a:t>	</a:t>
-            </a:r>
-            <a:r>
-              <a:rPr lang="en-US" sz="3200" dirty="0" smtClean="0">
-                <a:latin typeface="Calibri" pitchFamily="34" charset="0"/>
-              </a:rPr>
-              <a:t>b. Terrain?</a:t>
-            </a:r>
-          </a:p>
-          <a:p>
-            <a:pPr eaLnBrk="1" hangingPunct="1"/>
-            <a:r>
-              <a:rPr lang="en-US" sz="3200" dirty="0" smtClean="0">
-                <a:latin typeface="Calibri" pitchFamily="34" charset="0"/>
-              </a:rPr>
-              <a:t>	c. Mazes</a:t>
-            </a:r>
-          </a:p>
-          <a:p>
-            <a:pPr eaLnBrk="1" hangingPunct="1"/>
-            <a:r>
-              <a:rPr lang="en-US" sz="3200" dirty="0" smtClean="0">
-                <a:latin typeface="Calibri" pitchFamily="34" charset="0"/>
-              </a:rPr>
-              <a:t>IV. Math Problems ?</a:t>
-            </a:r>
-          </a:p>
-          <a:p>
             <a:pPr lvl="1" indent="0" eaLnBrk="1" hangingPunct="1"/>
             <a:r>
-              <a:rPr lang="en-US" sz="3200" dirty="0">
-                <a:latin typeface="Calibri" pitchFamily="34" charset="0"/>
-              </a:rPr>
-              <a:t>	 a.</a:t>
+              <a:rPr lang="en-US" sz="2800" dirty="0" smtClean="0">
+                <a:latin typeface="Calibri" pitchFamily="34" charset="0"/>
+              </a:rPr>
+              <a:t>b</a:t>
+            </a:r>
+            <a:r>
+              <a:rPr lang="en-US" sz="2800" dirty="0" smtClean="0">
+                <a:latin typeface="Calibri" pitchFamily="34" charset="0"/>
+              </a:rPr>
+              <a:t>. Networking</a:t>
             </a:r>
           </a:p>
           <a:p>
             <a:pPr lvl="1" indent="0" eaLnBrk="1" hangingPunct="1"/>
-            <a:r>
-              <a:rPr lang="en-US" sz="3200" dirty="0" smtClean="0">
-                <a:latin typeface="Calibri" pitchFamily="34" charset="0"/>
-              </a:rPr>
-              <a:t>	 b</a:t>
-            </a:r>
-            <a:r>
-              <a:rPr lang="en-US" sz="3200" dirty="0">
-                <a:latin typeface="Calibri" pitchFamily="34" charset="0"/>
-              </a:rPr>
-              <a:t>.</a:t>
-            </a:r>
-            <a:endParaRPr lang="en-US" sz="3200" dirty="0" smtClean="0">
+            <a:endParaRPr lang="en-US" sz="2800" dirty="0" smtClean="0">
               <a:latin typeface="Calibri" pitchFamily="34" charset="0"/>
             </a:endParaRPr>
           </a:p>
           <a:p>
             <a:pPr eaLnBrk="1" hangingPunct="1"/>
-            <a:endParaRPr lang="en-US" sz="3200" dirty="0">
+            <a:r>
+              <a:rPr lang="en-US" sz="2800" dirty="0" smtClean="0">
+                <a:latin typeface="Calibri" pitchFamily="34" charset="0"/>
+              </a:rPr>
+              <a:t>II. Data Structures</a:t>
+            </a:r>
+          </a:p>
+          <a:p>
+            <a:pPr lvl="1" indent="0" eaLnBrk="1" hangingPunct="1"/>
+            <a:r>
+              <a:rPr lang="en-US" sz="2800" dirty="0">
+                <a:latin typeface="Calibri" pitchFamily="34" charset="0"/>
+              </a:rPr>
+              <a:t>	 a</a:t>
+            </a:r>
+            <a:r>
+              <a:rPr lang="en-US" sz="2800" dirty="0" smtClean="0">
+                <a:latin typeface="Calibri" pitchFamily="34" charset="0"/>
+              </a:rPr>
+              <a:t>. Maps</a:t>
+            </a:r>
+            <a:endParaRPr lang="en-US" sz="2800" dirty="0">
               <a:latin typeface="Calibri" pitchFamily="34" charset="0"/>
             </a:endParaRPr>
           </a:p>
           <a:p>
-            <a:pPr eaLnBrk="1" hangingPunct="1"/>
-            <a:endParaRPr lang="en-US" sz="3200" dirty="0" smtClean="0">
+            <a:pPr lvl="1" indent="0" eaLnBrk="1" hangingPunct="1"/>
+            <a:r>
+              <a:rPr lang="en-US" sz="2800" dirty="0" smtClean="0">
+                <a:latin typeface="Calibri" pitchFamily="34" charset="0"/>
+              </a:rPr>
+              <a:t>   </a:t>
+            </a:r>
+            <a:r>
+              <a:rPr lang="en-US" sz="2800" dirty="0" smtClean="0">
+                <a:latin typeface="Calibri" pitchFamily="34" charset="0"/>
+              </a:rPr>
+              <a:t>b. Sets</a:t>
+            </a:r>
+          </a:p>
+          <a:p>
+            <a:pPr lvl="1" indent="0" eaLnBrk="1" hangingPunct="1"/>
+            <a:endParaRPr lang="en-US" sz="2800" dirty="0" smtClean="0">
               <a:latin typeface="Calibri" pitchFamily="34" charset="0"/>
             </a:endParaRPr>
           </a:p>
           <a:p>
             <a:pPr eaLnBrk="1" hangingPunct="1"/>
-            <a:endParaRPr lang="en-US" sz="3200" dirty="0" smtClean="0">
+            <a:r>
+              <a:rPr lang="en-US" sz="2800" dirty="0" smtClean="0">
+                <a:latin typeface="Calibri" pitchFamily="34" charset="0"/>
+              </a:rPr>
+              <a:t>III. Games</a:t>
+            </a:r>
+          </a:p>
+          <a:p>
+            <a:pPr eaLnBrk="1" hangingPunct="1"/>
+            <a:r>
+              <a:rPr lang="en-US" sz="2800" dirty="0">
+                <a:latin typeface="Calibri" pitchFamily="34" charset="0"/>
+              </a:rPr>
+              <a:t>	</a:t>
+            </a:r>
+            <a:r>
+              <a:rPr lang="en-US" sz="2800" dirty="0" smtClean="0">
+                <a:latin typeface="Calibri" pitchFamily="34" charset="0"/>
+              </a:rPr>
+              <a:t>a. Caves</a:t>
+            </a:r>
+          </a:p>
+          <a:p>
+            <a:pPr eaLnBrk="1" hangingPunct="1"/>
+            <a:r>
+              <a:rPr lang="en-US" sz="2800" dirty="0">
+                <a:latin typeface="Calibri" pitchFamily="34" charset="0"/>
+              </a:rPr>
+              <a:t>	</a:t>
+            </a:r>
+            <a:r>
+              <a:rPr lang="en-US" sz="2800" dirty="0" smtClean="0">
+                <a:latin typeface="Calibri" pitchFamily="34" charset="0"/>
+              </a:rPr>
+              <a:t>b. </a:t>
+            </a:r>
+            <a:r>
+              <a:rPr lang="en-US" sz="2800" dirty="0" smtClean="0">
+                <a:latin typeface="Calibri" pitchFamily="34" charset="0"/>
+              </a:rPr>
+              <a:t>Terrain</a:t>
+            </a:r>
+            <a:endParaRPr lang="en-US" sz="2800" dirty="0" smtClean="0">
+              <a:latin typeface="Calibri" pitchFamily="34" charset="0"/>
+            </a:endParaRPr>
+          </a:p>
+          <a:p>
+            <a:pPr eaLnBrk="1" hangingPunct="1"/>
+            <a:r>
+              <a:rPr lang="en-US" sz="2800" dirty="0" smtClean="0">
+                <a:latin typeface="Calibri" pitchFamily="34" charset="0"/>
+              </a:rPr>
+              <a:t>	c. </a:t>
+            </a:r>
+            <a:r>
+              <a:rPr lang="en-US" sz="2800" dirty="0" smtClean="0">
+                <a:latin typeface="Calibri" pitchFamily="34" charset="0"/>
+              </a:rPr>
+              <a:t>Mazes</a:t>
+            </a:r>
+          </a:p>
+          <a:p>
+            <a:pPr eaLnBrk="1" hangingPunct="1"/>
+            <a:endParaRPr lang="en-US" sz="2800" dirty="0" smtClean="0">
+              <a:latin typeface="Calibri" pitchFamily="34" charset="0"/>
+            </a:endParaRPr>
+          </a:p>
+          <a:p>
+            <a:pPr eaLnBrk="1" hangingPunct="1"/>
+            <a:r>
+              <a:rPr lang="en-US" sz="2800" dirty="0" smtClean="0">
+                <a:latin typeface="Calibri" pitchFamily="34" charset="0"/>
+              </a:rPr>
+              <a:t>IV. Math </a:t>
+            </a:r>
+            <a:r>
+              <a:rPr lang="en-US" sz="2800" dirty="0" smtClean="0">
+                <a:latin typeface="Calibri" pitchFamily="34" charset="0"/>
+              </a:rPr>
+              <a:t>Problems</a:t>
+            </a:r>
+            <a:endParaRPr lang="en-US" sz="2800" dirty="0" smtClean="0">
+              <a:latin typeface="Calibri" pitchFamily="34" charset="0"/>
+            </a:endParaRPr>
+          </a:p>
+          <a:p>
+            <a:pPr lvl="1" indent="0" eaLnBrk="1" hangingPunct="1"/>
+            <a:r>
+              <a:rPr lang="en-US" sz="2800" dirty="0">
+                <a:latin typeface="Calibri" pitchFamily="34" charset="0"/>
+              </a:rPr>
+              <a:t>	 a</a:t>
+            </a:r>
+            <a:r>
+              <a:rPr lang="en-US" sz="2800" dirty="0" smtClean="0">
+                <a:latin typeface="Calibri" pitchFamily="34" charset="0"/>
+              </a:rPr>
+              <a:t>. Graph Theory</a:t>
+            </a:r>
+            <a:endParaRPr lang="en-US" sz="2800" dirty="0">
+              <a:latin typeface="Calibri" pitchFamily="34" charset="0"/>
+            </a:endParaRPr>
+          </a:p>
+          <a:p>
+            <a:pPr lvl="1" indent="0" eaLnBrk="1" hangingPunct="1"/>
+            <a:r>
+              <a:rPr lang="en-US" sz="2800" dirty="0" smtClean="0">
+                <a:latin typeface="Calibri" pitchFamily="34" charset="0"/>
+              </a:rPr>
+              <a:t>	 b</a:t>
+            </a:r>
+            <a:r>
+              <a:rPr lang="en-US" sz="2800" dirty="0" smtClean="0">
+                <a:latin typeface="Calibri" pitchFamily="34" charset="0"/>
+              </a:rPr>
+              <a:t>. </a:t>
+            </a:r>
+            <a:r>
+              <a:rPr lang="en-US" sz="2800" dirty="0" smtClean="0">
+                <a:latin typeface="Calibri" pitchFamily="34" charset="0"/>
+              </a:rPr>
+              <a:t>Combinatorics</a:t>
+            </a:r>
+            <a:endParaRPr lang="en-US" sz="2800" dirty="0" smtClean="0">
               <a:latin typeface="Calibri" pitchFamily="34" charset="0"/>
             </a:endParaRPr>
           </a:p>
@@ -3645,7 +3749,7 @@
         </p:nvSpPr>
         <p:spPr>
           <a:xfrm>
-            <a:off x="29077920" y="4745194"/>
+            <a:off x="29077920" y="4731177"/>
             <a:ext cx="13167360" cy="731520"/>
           </a:xfrm>
           <a:prstGeom prst="rect">
@@ -3706,8 +3810,8 @@
         </p:nvSpPr>
         <p:spPr bwMode="auto">
           <a:xfrm>
-            <a:off x="29260800" y="17801673"/>
-            <a:ext cx="13167360" cy="5693820"/>
+            <a:off x="29260800" y="15789770"/>
+            <a:ext cx="13167360" cy="5201377"/>
           </a:xfrm>
           <a:prstGeom prst="rect">
             <a:avLst/>
@@ -3832,30 +3936,9 @@
               <a:rPr lang="en-US" sz="3200" dirty="0" smtClean="0">
                 <a:latin typeface="Calibri" pitchFamily="34" charset="0"/>
               </a:rPr>
-              <a:t>RB Trees are used in real world systems to make searching and sorting easier, faster, and more efficient. Red Black trees are often times the most efficient tree-like data structure to use in the appropriate context. The Red Black Tree can also be used to implement other data structures in the most efficient way possible. Although RB Trees are generally very efficient in terms of time complexity, they are sometimes less efficient than other data structures because of memory over head</a:t>
-            </a:r>
-            <a:r>
-              <a:rPr lang="en-US" sz="3200" dirty="0" smtClean="0">
-                <a:latin typeface="Calibri" pitchFamily="34" charset="0"/>
-              </a:rPr>
-              <a:t>. </a:t>
-            </a:r>
-            <a:r>
-              <a:rPr lang="en-US" sz="3200" dirty="0" smtClean="0">
-                <a:latin typeface="Calibri" pitchFamily="34" charset="0"/>
-              </a:rPr>
-              <a:t>We’ve found that Red Black Trees work well along side Hash-like and Map data structures. We hope to see more Red Black Tree projects in the future. We hope to design and study more RB Tree systems and share </a:t>
-            </a:r>
-            <a:r>
-              <a:rPr lang="en-US" sz="3200" smtClean="0">
-                <a:latin typeface="Calibri" pitchFamily="34" charset="0"/>
-              </a:rPr>
-              <a:t>our results. </a:t>
-            </a:r>
-          </a:p>
-          <a:p>
-            <a:pPr eaLnBrk="1" hangingPunct="1"/>
-            <a:endParaRPr lang="en-US" sz="3200" dirty="0">
+              <a:t>RB Trees are used in real world systems to make searching and sorting easier, faster, and more efficient. Red Black trees are often times the most efficient tree-like data structure to use in the appropriate context. The Red Black Tree can also be used to implement other data structures in the most efficient way possible. Although RB Trees are generally very efficient in terms of time complexity, they are sometimes less efficient than other data structures because of memory over head. We’ve found that Red Black Trees work well along side Hash-like and Map data structures. We hope to see more Red Black Tree projects in the future. We hope to design and study more RB Tree systems and share our results. </a:t>
+            </a:r>
+            <a:endParaRPr lang="en-US" sz="3200" dirty="0" smtClean="0">
               <a:latin typeface="Calibri" pitchFamily="34" charset="0"/>
             </a:endParaRPr>
           </a:p>
@@ -3869,7 +3952,7 @@
         </p:nvSpPr>
         <p:spPr>
           <a:xfrm>
-            <a:off x="29260800" y="17070153"/>
+            <a:off x="29260800" y="15058250"/>
             <a:ext cx="13167360" cy="731520"/>
           </a:xfrm>
           <a:prstGeom prst="rect">
@@ -3930,8 +4013,8 @@
         </p:nvSpPr>
         <p:spPr bwMode="auto">
           <a:xfrm>
-            <a:off x="15411402" y="22246600"/>
-            <a:ext cx="13167360" cy="5693820"/>
+            <a:off x="15361920" y="20408113"/>
+            <a:ext cx="13167360" cy="7171147"/>
           </a:xfrm>
           <a:prstGeom prst="rect">
             <a:avLst/>
@@ -3949,7 +4032,7 @@
           <a:effectLst/>
         </p:spPr>
         <p:txBody>
-          <a:bodyPr lIns="137137" tIns="137137" rIns="137137" bIns="137137">
+          <a:bodyPr wrap="square" lIns="137137" tIns="137137" rIns="137137" bIns="137137">
             <a:spAutoFit/>
           </a:bodyPr>
           <a:lstStyle>
@@ -4053,11 +4136,80 @@
           <a:p>
             <a:pPr eaLnBrk="1" hangingPunct="1"/>
             <a:r>
-              <a:rPr lang="en-US" sz="3200" dirty="0" smtClean="0">
-                <a:latin typeface="Calibri" pitchFamily="34" charset="0"/>
-              </a:rPr>
-              <a:t>We proposed a system in which Red Black Trees were used directly and indirectly. </a:t>
-            </a:r>
+              <a:rPr lang="en-US" sz="2800" dirty="0" smtClean="0">
+                <a:latin typeface="Calibri" pitchFamily="34" charset="0"/>
+              </a:rPr>
+              <a:t>We </a:t>
+            </a:r>
+            <a:r>
+              <a:rPr lang="en-US" sz="2800" dirty="0">
+                <a:latin typeface="Calibri" pitchFamily="34" charset="0"/>
+              </a:rPr>
+              <a:t>worked with a large school database and used RB trees, Java </a:t>
+            </a:r>
+            <a:r>
+              <a:rPr lang="en-US" sz="2800" dirty="0" err="1">
+                <a:latin typeface="Calibri" pitchFamily="34" charset="0"/>
+              </a:rPr>
+              <a:t>TreeMaps</a:t>
+            </a:r>
+            <a:r>
+              <a:rPr lang="en-US" sz="2800" dirty="0">
+                <a:latin typeface="Calibri" pitchFamily="34" charset="0"/>
+              </a:rPr>
+              <a:t>, and Object Oriented Programming</a:t>
+            </a:r>
+            <a:r>
+              <a:rPr lang="en-US" sz="2800" dirty="0" smtClean="0">
+                <a:latin typeface="Calibri" pitchFamily="34" charset="0"/>
+              </a:rPr>
+              <a:t>.</a:t>
+            </a:r>
+            <a:endParaRPr lang="en-US" sz="2800" dirty="0" smtClean="0">
+              <a:latin typeface="Calibri" pitchFamily="34" charset="0"/>
+            </a:endParaRPr>
+          </a:p>
+          <a:p>
+            <a:pPr eaLnBrk="1" hangingPunct="1"/>
+            <a:endParaRPr lang="en-US" sz="2800" dirty="0">
+              <a:latin typeface="Calibri" pitchFamily="34" charset="0"/>
+            </a:endParaRPr>
+          </a:p>
+          <a:p>
+            <a:pPr eaLnBrk="1" hangingPunct="1"/>
+            <a:r>
+              <a:rPr lang="en-US" sz="2800" dirty="0" smtClean="0">
+                <a:latin typeface="Calibri" pitchFamily="34" charset="0"/>
+              </a:rPr>
+              <a:t>We </a:t>
+            </a:r>
+            <a:r>
+              <a:rPr lang="en-US" sz="2800" dirty="0" smtClean="0">
+                <a:latin typeface="Calibri" pitchFamily="34" charset="0"/>
+              </a:rPr>
+              <a:t>proposed </a:t>
+            </a:r>
+            <a:r>
+              <a:rPr lang="en-US" sz="2800" dirty="0" smtClean="0">
+                <a:latin typeface="Calibri" pitchFamily="34" charset="0"/>
+              </a:rPr>
+              <a:t>system </a:t>
+            </a:r>
+            <a:r>
+              <a:rPr lang="en-US" sz="2800" dirty="0" smtClean="0">
+                <a:latin typeface="Calibri" pitchFamily="34" charset="0"/>
+              </a:rPr>
+              <a:t>in which Red Black Trees were used directly and indirectly</a:t>
+            </a:r>
+            <a:r>
+              <a:rPr lang="en-US" sz="2800" dirty="0" smtClean="0">
+                <a:latin typeface="Calibri" pitchFamily="34" charset="0"/>
+              </a:rPr>
+              <a:t>.</a:t>
+            </a:r>
+            <a:endParaRPr lang="en-US" sz="2800" dirty="0" smtClean="0">
+              <a:latin typeface="Calibri" pitchFamily="34" charset="0"/>
+            </a:endParaRPr>
           </a:p>
           <a:p>
             <a:pPr marL="457200" indent="-457200" eaLnBrk="1" hangingPunct="1">
@@ -4065,7 +4217,7 @@
               <a:buChar char="•"/>
             </a:pPr>
             <a:r>
-              <a:rPr lang="en-US" sz="3200" dirty="0" smtClean="0">
+              <a:rPr lang="en-US" sz="2800" dirty="0" smtClean="0">
                 <a:latin typeface="Calibri" pitchFamily="34" charset="0"/>
               </a:rPr>
               <a:t>RB Tree Indirect Use: We placed students into a Java Tree Map</a:t>
@@ -4077,59 +4229,77 @@
               <a:buChar char="•"/>
             </a:pPr>
             <a:r>
-              <a:rPr lang="en-US" sz="3200" dirty="0" smtClean="0">
-                <a:latin typeface="Calibri" pitchFamily="34" charset="0"/>
-              </a:rPr>
-              <a:t>RB Tree Direct Use: We used a RB Tree implementation to organize students’ ID numbers</a:t>
+              <a:rPr lang="en-US" sz="2800" dirty="0" smtClean="0">
+                <a:latin typeface="Calibri" pitchFamily="34" charset="0"/>
+              </a:rPr>
+              <a:t>RB Tree Direct Use: We used a RB Tree implementation to organize students’ ID </a:t>
+            </a:r>
+            <a:r>
+              <a:rPr lang="en-US" sz="2800" dirty="0" smtClean="0">
+                <a:latin typeface="Calibri" pitchFamily="34" charset="0"/>
+              </a:rPr>
+              <a:t>numbers from a school database</a:t>
             </a:r>
           </a:p>
           <a:p>
             <a:pPr eaLnBrk="1" hangingPunct="1"/>
-            <a:endParaRPr lang="en-US" sz="3200" dirty="0">
+            <a:endParaRPr lang="en-US" sz="2800" dirty="0" smtClean="0">
               <a:latin typeface="Calibri" pitchFamily="34" charset="0"/>
             </a:endParaRPr>
           </a:p>
           <a:p>
             <a:pPr eaLnBrk="1" hangingPunct="1"/>
             <a:r>
-              <a:rPr lang="en-US" sz="3200" dirty="0" smtClean="0">
-                <a:latin typeface="Calibri" pitchFamily="34" charset="0"/>
-              </a:rPr>
-              <a:t>Theoretical Calculations: RB trees compared to BST or AVL</a:t>
+              <a:rPr lang="en-US" sz="2800" dirty="0">
+                <a:latin typeface="Calibri" pitchFamily="34" charset="0"/>
+              </a:rPr>
+              <a:t>We designed a phone lookup service to tell the user what country the caller is coming from. Because phone numbers are unique and the dataset is so large, using RB Trees made searching and sorting very fast and efficient. </a:t>
             </a:r>
           </a:p>
           <a:p>
             <a:pPr eaLnBrk="1" hangingPunct="1"/>
-            <a:endParaRPr lang="en-US" sz="3200" dirty="0" smtClean="0">
+            <a:endParaRPr lang="en-US" sz="2800" dirty="0" smtClean="0">
               <a:latin typeface="Calibri" pitchFamily="34" charset="0"/>
             </a:endParaRPr>
           </a:p>
           <a:p>
             <a:pPr eaLnBrk="1" hangingPunct="1"/>
-            <a:r>
-              <a:rPr lang="en-US" sz="3200" dirty="0" smtClean="0">
-                <a:latin typeface="Calibri" pitchFamily="34" charset="0"/>
-              </a:rPr>
-              <a:t>Input size: 2000 lines</a:t>
-            </a:r>
+            <a:endParaRPr lang="en-US" sz="2800" dirty="0" smtClean="0">
+              <a:latin typeface="Calibri" pitchFamily="34" charset="0"/>
+            </a:endParaRPr>
           </a:p>
           <a:p>
             <a:pPr eaLnBrk="1" hangingPunct="1"/>
             <a:r>
-              <a:rPr lang="en-US" sz="3200" dirty="0" smtClean="0">
-                <a:latin typeface="Calibri" pitchFamily="34" charset="0"/>
-              </a:rPr>
-              <a:t>Linear Data Structure: O(N)</a:t>
-            </a:r>
+              <a:rPr lang="en-US" sz="2800" dirty="0" smtClean="0">
+                <a:latin typeface="Calibri" pitchFamily="34" charset="0"/>
+              </a:rPr>
+              <a:t>We implemented a phone lookup service in which we used Red Black trees  directly: </a:t>
+            </a:r>
+            <a:endParaRPr lang="en-US" sz="2800" dirty="0">
+              <a:latin typeface="Calibri" pitchFamily="34" charset="0"/>
+            </a:endParaRPr>
+          </a:p>
+          <a:p>
+            <a:pPr marL="457200" indent="-457200" eaLnBrk="1" hangingPunct="1">
+              <a:buFont typeface="Arial" panose="020B0604020202020204" pitchFamily="34" charset="0"/>
+              <a:buChar char="•"/>
+            </a:pPr>
+            <a:r>
+              <a:rPr lang="en-US" sz="2800" dirty="0" smtClean="0">
+                <a:latin typeface="Calibri" pitchFamily="34" charset="0"/>
+              </a:rPr>
+              <a:t>Direct Use: We organized the numbers in the RB Tree for easy searching</a:t>
+            </a:r>
+            <a:endParaRPr lang="en-US" sz="2800" dirty="0">
+              <a:latin typeface="Calibri" pitchFamily="34" charset="0"/>
+            </a:endParaRPr>
           </a:p>
           <a:p>
             <a:pPr eaLnBrk="1" hangingPunct="1"/>
-            <a:r>
-              <a:rPr lang="en-US" sz="3200" dirty="0" smtClean="0">
-                <a:latin typeface="Calibri" pitchFamily="34" charset="0"/>
-              </a:rPr>
-              <a:t>RB Tree: O(log_2)</a:t>
-            </a:r>
+            <a:endParaRPr lang="en-US" sz="2800" dirty="0" smtClean="0">
+              <a:latin typeface="Calibri" pitchFamily="34" charset="0"/>
+            </a:endParaRPr>
           </a:p>
         </p:txBody>
       </p:sp>
@@ -4141,7 +4311,7 @@
         </p:nvSpPr>
         <p:spPr>
           <a:xfrm>
-            <a:off x="15391737" y="21520057"/>
+            <a:off x="15361920" y="19679906"/>
             <a:ext cx="13167360" cy="731520"/>
           </a:xfrm>
           <a:prstGeom prst="rect">
@@ -4187,23 +4357,7 @@
                   <a:schemeClr val="bg1"/>
                 </a:solidFill>
               </a:rPr>
-              <a:t>Implementing </a:t>
-            </a:r>
-            <a:r>
-              <a:rPr lang="en-US" sz="4400" b="1" dirty="0" err="1" smtClean="0">
-                <a:solidFill>
-                  <a:schemeClr val="bg1"/>
-                </a:solidFill>
-              </a:rPr>
-              <a:t>TreeMaps</a:t>
-            </a:r>
-            <a:r>
-              <a:rPr lang="en-US" sz="4400" b="1" dirty="0" smtClean="0">
-                <a:solidFill>
-                  <a:schemeClr val="bg1"/>
-                </a:solidFill>
-              </a:rPr>
-              <a:t> Using Red Black Trees</a:t>
+              <a:t>Our Group’s Applications</a:t>
             </a:r>
             <a:endParaRPr lang="en-US" sz="4400" b="1" dirty="0">
               <a:solidFill>
@@ -4221,7 +4375,7 @@
         </p:nvSpPr>
         <p:spPr>
           <a:xfrm>
-            <a:off x="15361920" y="14838941"/>
+            <a:off x="15361920" y="13115604"/>
             <a:ext cx="13167360" cy="731520"/>
           </a:xfrm>
           <a:prstGeom prst="rect">
@@ -4287,7 +4441,7 @@
         </p:nvSpPr>
         <p:spPr bwMode="auto">
           <a:xfrm>
-            <a:off x="15361920" y="15570461"/>
+            <a:off x="15361920" y="13832983"/>
             <a:ext cx="13167360" cy="5201377"/>
           </a:xfrm>
           <a:prstGeom prst="rect">
@@ -4428,92 +4582,41 @@
               <a:rPr lang="en-US" sz="3200" dirty="0" smtClean="0">
                 <a:latin typeface="Calibri" pitchFamily="34" charset="0"/>
               </a:rPr>
-              <a:t>Java – Tree Maps, Tree Sets</a:t>
+              <a:t>Java – Tree Maps, Tree </a:t>
+            </a:r>
+            <a:r>
+              <a:rPr lang="en-US" sz="3200" dirty="0" smtClean="0">
+                <a:latin typeface="Calibri" pitchFamily="34" charset="0"/>
+              </a:rPr>
+              <a:t>Sets</a:t>
+            </a:r>
+          </a:p>
+          <a:p>
+            <a:pPr marL="1200150" lvl="1" indent="-457200" eaLnBrk="1" hangingPunct="1">
+              <a:buFont typeface="Arial" panose="020B0604020202020204" pitchFamily="34" charset="0"/>
+              <a:buChar char="•"/>
+            </a:pPr>
+            <a:r>
+              <a:rPr lang="en-US" sz="3200" dirty="0" smtClean="0">
+                <a:latin typeface="Calibri" pitchFamily="34" charset="0"/>
+              </a:rPr>
+              <a:t>balances the tree</a:t>
             </a:r>
           </a:p>
           <a:p>
             <a:pPr eaLnBrk="1" hangingPunct="1"/>
             <a:r>
+              <a:rPr lang="en-US" sz="3200" dirty="0">
+                <a:latin typeface="Calibri" pitchFamily="34" charset="0"/>
+              </a:rPr>
+              <a:t>	</a:t>
+            </a:r>
+            <a:r>
               <a:rPr lang="en-US" sz="3200" dirty="0" smtClean="0">
                 <a:latin typeface="Calibri" pitchFamily="34" charset="0"/>
               </a:rPr>
-              <a:t>C++ – </a:t>
-            </a:r>
-          </a:p>
-          <a:p>
-            <a:pPr eaLnBrk="1" hangingPunct="1"/>
-            <a:r>
-              <a:rPr lang="en-US" sz="3200" dirty="0" smtClean="0">
-                <a:latin typeface="Calibri" pitchFamily="34" charset="0"/>
-              </a:rPr>
-              <a:t>Other </a:t>
-            </a:r>
-            <a:r>
-              <a:rPr lang="en-US" sz="3200" dirty="0" err="1" smtClean="0">
-                <a:latin typeface="Calibri" pitchFamily="34" charset="0"/>
-              </a:rPr>
-              <a:t>lang</a:t>
-            </a:r>
-            <a:r>
-              <a:rPr lang="en-US" sz="3200" dirty="0" smtClean="0">
-                <a:latin typeface="Calibri" pitchFamily="34" charset="0"/>
-              </a:rPr>
-              <a:t> –</a:t>
-            </a:r>
-          </a:p>
-          <a:p>
-            <a:pPr eaLnBrk="1" hangingPunct="1"/>
-            <a:r>
-              <a:rPr lang="en-US" sz="3200" dirty="0" smtClean="0">
-                <a:latin typeface="Calibri" pitchFamily="34" charset="0"/>
-              </a:rPr>
-              <a:t>Other </a:t>
-            </a:r>
-            <a:r>
-              <a:rPr lang="en-US" sz="3200" dirty="0" err="1" smtClean="0">
-                <a:latin typeface="Calibri" pitchFamily="34" charset="0"/>
-              </a:rPr>
-              <a:t>lang</a:t>
-            </a:r>
-            <a:r>
-              <a:rPr lang="en-US" sz="3200" dirty="0" smtClean="0">
-                <a:latin typeface="Calibri" pitchFamily="34" charset="0"/>
-              </a:rPr>
-              <a:t> </a:t>
-            </a:r>
-            <a:r>
-              <a:rPr lang="en-US" sz="3200" dirty="0">
-                <a:latin typeface="Calibri" pitchFamily="34" charset="0"/>
-              </a:rPr>
-              <a:t>– </a:t>
-            </a:r>
-            <a:endParaRPr lang="en-US" sz="3200" dirty="0" smtClean="0">
-              <a:latin typeface="Calibri" pitchFamily="34" charset="0"/>
-            </a:endParaRPr>
-          </a:p>
-          <a:p>
-            <a:pPr eaLnBrk="1" hangingPunct="1"/>
-            <a:r>
-              <a:rPr lang="en-US" sz="3200" dirty="0" smtClean="0">
-                <a:latin typeface="Calibri" pitchFamily="34" charset="0"/>
-              </a:rPr>
-              <a:t>Other </a:t>
-            </a:r>
-            <a:r>
-              <a:rPr lang="en-US" sz="3200" dirty="0" err="1" smtClean="0">
-                <a:latin typeface="Calibri" pitchFamily="34" charset="0"/>
-              </a:rPr>
-              <a:t>lang</a:t>
-            </a:r>
-            <a:r>
-              <a:rPr lang="en-US" sz="3200" dirty="0" smtClean="0">
-                <a:latin typeface="Calibri" pitchFamily="34" charset="0"/>
-              </a:rPr>
-              <a:t> – </a:t>
-            </a:r>
-            <a:endParaRPr lang="en-US" sz="3200" dirty="0">
-              <a:latin typeface="Calibri" pitchFamily="34" charset="0"/>
-            </a:endParaRPr>
+              <a:t>eliminates duplicates</a:t>
+            </a:r>
           </a:p>
           <a:p>
             <a:pPr eaLnBrk="1" hangingPunct="1"/>
@@ -4523,6 +4626,54 @@
           </a:p>
           <a:p>
             <a:pPr eaLnBrk="1" hangingPunct="1"/>
+            <a:r>
+              <a:rPr lang="en-US" sz="3200" dirty="0" smtClean="0">
+                <a:latin typeface="Calibri" pitchFamily="34" charset="0"/>
+              </a:rPr>
+              <a:t>C++ – </a:t>
+            </a:r>
+            <a:r>
+              <a:rPr lang="en-US" sz="3200" dirty="0" smtClean="0">
+                <a:latin typeface="Calibri" pitchFamily="34" charset="0"/>
+              </a:rPr>
+              <a:t>STL sets and maps</a:t>
+            </a:r>
+          </a:p>
+          <a:p>
+            <a:pPr eaLnBrk="1" hangingPunct="1"/>
+            <a:r>
+              <a:rPr lang="en-US" sz="3200" dirty="0">
+                <a:latin typeface="Calibri" pitchFamily="34" charset="0"/>
+              </a:rPr>
+              <a:t>	</a:t>
+            </a:r>
+            <a:r>
+              <a:rPr lang="en-US" sz="3200" dirty="0" smtClean="0">
+                <a:latin typeface="Calibri" pitchFamily="34" charset="0"/>
+              </a:rPr>
+              <a:t>*balances sets and maps</a:t>
+            </a:r>
+          </a:p>
+          <a:p>
+            <a:pPr eaLnBrk="1" hangingPunct="1"/>
+            <a:r>
+              <a:rPr lang="en-US" sz="3200" dirty="0">
+                <a:latin typeface="Calibri" pitchFamily="34" charset="0"/>
+              </a:rPr>
+              <a:t>	</a:t>
+            </a:r>
+            <a:r>
+              <a:rPr lang="en-US" sz="3200" dirty="0" smtClean="0">
+                <a:latin typeface="Calibri" pitchFamily="34" charset="0"/>
+              </a:rPr>
+              <a:t>*</a:t>
+            </a:r>
+            <a:r>
+              <a:rPr lang="en-US" sz="3200" dirty="0" smtClean="0">
+                <a:latin typeface="Calibri" pitchFamily="34" charset="0"/>
+              </a:rPr>
+              <a:t>prevents duplicates and degeneration</a:t>
+            </a:r>
             <a:endParaRPr lang="en-US" sz="3200" dirty="0" smtClean="0">
               <a:latin typeface="Calibri" pitchFamily="34" charset="0"/>
             </a:endParaRPr>
@@ -4539,8 +4690,8 @@
         </p:nvSpPr>
         <p:spPr bwMode="auto">
           <a:xfrm>
-            <a:off x="1463040" y="12802589"/>
-            <a:ext cx="13167360" cy="11110687"/>
+            <a:off x="1463040" y="12632845"/>
+            <a:ext cx="13167360" cy="15050227"/>
           </a:xfrm>
           <a:prstGeom prst="rect">
             <a:avLst/>
@@ -4856,6 +5007,76 @@
           </a:p>
           <a:p>
             <a:pPr lvl="1" indent="0" eaLnBrk="1" hangingPunct="1"/>
+            <a:endParaRPr lang="en-US" sz="3200" dirty="0" smtClean="0">
+              <a:latin typeface="+mn-lt"/>
+            </a:endParaRPr>
+          </a:p>
+          <a:p>
+            <a:pPr lvl="1" indent="0" eaLnBrk="1" hangingPunct="1"/>
+            <a:endParaRPr lang="en-US" sz="3200" dirty="0">
+              <a:latin typeface="+mn-lt"/>
+            </a:endParaRPr>
+          </a:p>
+          <a:p>
+            <a:pPr lvl="1" indent="0" eaLnBrk="1" hangingPunct="1"/>
+            <a:endParaRPr lang="en-US" sz="3200" dirty="0" smtClean="0">
+              <a:latin typeface="+mn-lt"/>
+            </a:endParaRPr>
+          </a:p>
+          <a:p>
+            <a:pPr eaLnBrk="1" hangingPunct="1"/>
+            <a:r>
+              <a:rPr lang="en-US" sz="3200" b="1" dirty="0">
+                <a:latin typeface="Calibri" pitchFamily="34" charset="0"/>
+              </a:rPr>
+              <a:t>Theoretical Calculations: RB trees compared to BST or AVL</a:t>
+            </a:r>
+          </a:p>
+          <a:p>
+            <a:pPr eaLnBrk="1" hangingPunct="1"/>
+            <a:endParaRPr lang="en-US" sz="3200" b="1" dirty="0">
+              <a:latin typeface="Calibri" pitchFamily="34" charset="0"/>
+            </a:endParaRPr>
+          </a:p>
+          <a:p>
+            <a:pPr eaLnBrk="1" hangingPunct="1"/>
+            <a:r>
+              <a:rPr lang="en-US" sz="3200" b="1" dirty="0">
+                <a:latin typeface="Calibri" pitchFamily="34" charset="0"/>
+              </a:rPr>
+              <a:t>Input size: 2000 lines</a:t>
+            </a:r>
+          </a:p>
+          <a:p>
+            <a:pPr eaLnBrk="1" hangingPunct="1"/>
+            <a:r>
+              <a:rPr lang="en-US" sz="3200" b="1" dirty="0">
+                <a:latin typeface="Calibri" pitchFamily="34" charset="0"/>
+              </a:rPr>
+              <a:t>Linear Data Structure: O(N) = 2000 comparisons</a:t>
+            </a:r>
+          </a:p>
+          <a:p>
+            <a:pPr eaLnBrk="1" hangingPunct="1"/>
+            <a:r>
+              <a:rPr lang="en-US" sz="3200" b="1" dirty="0">
+                <a:latin typeface="Calibri" pitchFamily="34" charset="0"/>
+              </a:rPr>
+              <a:t>RB Tree: O(log_2(N)) </a:t>
+            </a:r>
+            <a:r>
+              <a:rPr lang="en-US" sz="2800" b="1" dirty="0"/>
+              <a:t>≈</a:t>
+            </a:r>
+            <a:r>
+              <a:rPr lang="en-US" sz="3200" b="1" dirty="0">
+                <a:latin typeface="Calibri" pitchFamily="34" charset="0"/>
+              </a:rPr>
+              <a:t> 11 comparisons</a:t>
+            </a:r>
+          </a:p>
+          <a:p>
+            <a:pPr lvl="1" indent="0" eaLnBrk="1" hangingPunct="1"/>
             <a:endParaRPr lang="en-US" sz="3200" dirty="0">
               <a:latin typeface="+mn-lt"/>
             </a:endParaRPr>
@@ -4870,7 +5091,7 @@
         </p:nvSpPr>
         <p:spPr>
           <a:xfrm>
-            <a:off x="1463040" y="12083420"/>
+            <a:off x="1463040" y="11861793"/>
             <a:ext cx="13167360" cy="731520"/>
           </a:xfrm>
           <a:prstGeom prst="rect">
@@ -4943,58 +5164,12 @@
         </p:blipFill>
         <p:spPr>
           <a:xfrm>
-            <a:off x="3924300" y="18477087"/>
+            <a:off x="3644374" y="18288000"/>
             <a:ext cx="8610600" cy="4991230"/>
           </a:xfrm>
           <a:prstGeom prst="rect">
             <a:avLst/>
           </a:prstGeom>
-        </p:spPr>
-      </p:pic>
-      <p:pic>
-        <p:nvPicPr>
-          <p:cNvPr id="1028" name="Picture 4" descr="Image result for linux completely fair scheduler">
-            <a:extLst>
-              <a:ext uri="{FF2B5EF4-FFF2-40B4-BE49-F238E27FC236}">
-                <a16:creationId xmlns:a16="http://schemas.microsoft.com/office/drawing/2014/main" id="{8084E8F1-3811-4143-A85F-59F329044689}"/>
-              </a:ext>
-            </a:extLst>
-          </p:cNvPr>
-          <p:cNvPicPr>
-            <a:picLocks noChangeAspect="1" noChangeArrowheads="1"/>
-          </p:cNvPicPr>
-          <p:nvPr/>
-        </p:nvPicPr>
-        <p:blipFill>
-          <a:blip r:embed="rId3">
-            <a:extLst>
-              <a:ext uri="{28A0092B-C50C-407E-A947-70E740481C1C}">
-                <a14:useLocalDpi xmlns:a14="http://schemas.microsoft.com/office/drawing/2010/main" val="0"/>
-              </a:ext>
-            </a:extLst>
-          </a:blip>
-          <a:srcRect/>
-          <a:stretch>
-            <a:fillRect/>
-          </a:stretch>
-        </p:blipFill>
-        <p:spPr bwMode="auto">
-          <a:xfrm>
-            <a:off x="18592800" y="7222729"/>
-            <a:ext cx="5746766" cy="3668415"/>
-          </a:xfrm>
-          <a:prstGeom prst="rect">
-            <a:avLst/>
-          </a:prstGeom>
-          <a:extLst>
-            <a:ext uri="{909E8E84-426E-40DD-AFC4-6F175D3DCCD1}">
-              <a14:hiddenFill xmlns:a14="http://schemas.microsoft.com/office/drawing/2010/main">
-                <a:solidFill>
-                  <a:srgbClr val="FFFFFF"/>
-                </a:solidFill>
-              </a14:hiddenFill>
-            </a:ext>
-          </a:extLst>
         </p:spPr>
       </p:pic>
       <p:sp>
@@ -5023,6 +5198,280 @@
           </a:p>
         </p:txBody>
       </p:sp>
+      <p:pic>
+        <p:nvPicPr>
+          <p:cNvPr id="3" name="Picture 2"/>
+          <p:cNvPicPr>
+            <a:picLocks noChangeAspect="1"/>
+          </p:cNvPicPr>
+          <p:nvPr/>
+        </p:nvPicPr>
+        <p:blipFill>
+          <a:blip r:embed="rId3">
+            <a:extLst>
+              <a:ext uri="{28A0092B-C50C-407E-A947-70E740481C1C}">
+                <a14:useLocalDpi xmlns:a14="http://schemas.microsoft.com/office/drawing/2010/main" val="0"/>
+              </a:ext>
+            </a:extLst>
+          </a:blip>
+          <a:stretch>
+            <a:fillRect/>
+          </a:stretch>
+        </p:blipFill>
+        <p:spPr>
+          <a:xfrm>
+            <a:off x="18649950" y="7326807"/>
+            <a:ext cx="6591300" cy="3481476"/>
+          </a:xfrm>
+          <a:prstGeom prst="rect">
+            <a:avLst/>
+          </a:prstGeom>
+          <a:ln>
+            <a:solidFill>
+              <a:schemeClr val="accent1"/>
+            </a:solidFill>
+          </a:ln>
+        </p:spPr>
+      </p:pic>
+      <p:pic>
+        <p:nvPicPr>
+          <p:cNvPr id="9" name="Picture 8"/>
+          <p:cNvPicPr>
+            <a:picLocks noChangeAspect="1"/>
+          </p:cNvPicPr>
+          <p:nvPr/>
+        </p:nvPicPr>
+        <p:blipFill>
+          <a:blip r:embed="rId4">
+            <a:extLst>
+              <a:ext uri="{28A0092B-C50C-407E-A947-70E740481C1C}">
+                <a14:useLocalDpi xmlns:a14="http://schemas.microsoft.com/office/drawing/2010/main" val="0"/>
+              </a:ext>
+            </a:extLst>
+          </a:blip>
+          <a:stretch>
+            <a:fillRect/>
+          </a:stretch>
+        </p:blipFill>
+        <p:spPr>
+          <a:xfrm>
+            <a:off x="21628699" y="14824776"/>
+            <a:ext cx="6040754" cy="3277831"/>
+          </a:xfrm>
+          <a:prstGeom prst="rect">
+            <a:avLst/>
+          </a:prstGeom>
+          <a:ln>
+            <a:solidFill>
+              <a:schemeClr val="accent1">
+                <a:lumMod val="75000"/>
+              </a:schemeClr>
+            </a:solidFill>
+          </a:ln>
+        </p:spPr>
+      </p:pic>
+      <p:cxnSp>
+        <p:nvCxnSpPr>
+          <p:cNvPr id="17" name="Straight Connector 16"/>
+          <p:cNvCxnSpPr/>
+          <p:nvPr/>
+        </p:nvCxnSpPr>
+        <p:spPr>
+          <a:xfrm>
+            <a:off x="15361920" y="23619382"/>
+            <a:ext cx="13167360" cy="0"/>
+          </a:xfrm>
+          <a:prstGeom prst="line">
+            <a:avLst/>
+          </a:prstGeom>
+        </p:spPr>
+        <p:style>
+          <a:lnRef idx="1">
+            <a:schemeClr val="accent1"/>
+          </a:lnRef>
+          <a:fillRef idx="0">
+            <a:schemeClr val="accent1"/>
+          </a:fillRef>
+          <a:effectRef idx="0">
+            <a:schemeClr val="accent1"/>
+          </a:effectRef>
+          <a:fontRef idx="minor">
+            <a:schemeClr val="tx1"/>
+          </a:fontRef>
+        </p:style>
+      </p:cxnSp>
+      <p:pic>
+        <p:nvPicPr>
+          <p:cNvPr id="21" name="Picture 20"/>
+          <p:cNvPicPr>
+            <a:picLocks noChangeAspect="1"/>
+          </p:cNvPicPr>
+          <p:nvPr/>
+        </p:nvPicPr>
+        <p:blipFill>
+          <a:blip r:embed="rId5">
+            <a:extLst>
+              <a:ext uri="{28A0092B-C50C-407E-A947-70E740481C1C}">
+                <a14:useLocalDpi xmlns:a14="http://schemas.microsoft.com/office/drawing/2010/main" val="0"/>
+              </a:ext>
+            </a:extLst>
+          </a:blip>
+          <a:stretch>
+            <a:fillRect/>
+          </a:stretch>
+        </p:blipFill>
+        <p:spPr>
+          <a:xfrm>
+            <a:off x="34975800" y="6034455"/>
+            <a:ext cx="3275114" cy="2339367"/>
+          </a:xfrm>
+          <a:prstGeom prst="rect">
+            <a:avLst/>
+          </a:prstGeom>
+        </p:spPr>
+      </p:pic>
+      <p:pic>
+        <p:nvPicPr>
+          <p:cNvPr id="22" name="Picture 21"/>
+          <p:cNvPicPr>
+            <a:picLocks noChangeAspect="1"/>
+          </p:cNvPicPr>
+          <p:nvPr/>
+        </p:nvPicPr>
+        <p:blipFill>
+          <a:blip r:embed="rId6">
+            <a:extLst>
+              <a:ext uri="{28A0092B-C50C-407E-A947-70E740481C1C}">
+                <a14:useLocalDpi xmlns:a14="http://schemas.microsoft.com/office/drawing/2010/main" val="0"/>
+              </a:ext>
+            </a:extLst>
+          </a:blip>
+          <a:stretch>
+            <a:fillRect/>
+          </a:stretch>
+        </p:blipFill>
+        <p:spPr>
+          <a:xfrm>
+            <a:off x="38250914" y="8789331"/>
+            <a:ext cx="3409922" cy="1879396"/>
+          </a:xfrm>
+          <a:prstGeom prst="rect">
+            <a:avLst/>
+          </a:prstGeom>
+        </p:spPr>
+      </p:pic>
+      <p:pic>
+        <p:nvPicPr>
+          <p:cNvPr id="28" name="Picture 27"/>
+          <p:cNvPicPr>
+            <a:picLocks noChangeAspect="1"/>
+          </p:cNvPicPr>
+          <p:nvPr/>
+        </p:nvPicPr>
+        <p:blipFill>
+          <a:blip r:embed="rId7">
+            <a:extLst>
+              <a:ext uri="{28A0092B-C50C-407E-A947-70E740481C1C}">
+                <a14:useLocalDpi xmlns:a14="http://schemas.microsoft.com/office/drawing/2010/main" val="0"/>
+              </a:ext>
+            </a:extLst>
+          </a:blip>
+          <a:stretch>
+            <a:fillRect/>
+          </a:stretch>
+        </p:blipFill>
+        <p:spPr>
+          <a:xfrm>
+            <a:off x="33780574" y="9658189"/>
+            <a:ext cx="5422923" cy="3411194"/>
+          </a:xfrm>
+          <a:prstGeom prst="rect">
+            <a:avLst/>
+          </a:prstGeom>
+        </p:spPr>
+      </p:pic>
+      <p:pic>
+        <p:nvPicPr>
+          <p:cNvPr id="1026" name="Picture 2" descr="Screen Shot 2017-04-22 at 4.46.41 PM.png"/>
+          <p:cNvPicPr>
+            <a:picLocks noChangeAspect="1" noChangeArrowheads="1"/>
+          </p:cNvPicPr>
+          <p:nvPr/>
+        </p:nvPicPr>
+        <p:blipFill>
+          <a:blip r:embed="rId8">
+            <a:extLst>
+              <a:ext uri="{28A0092B-C50C-407E-A947-70E740481C1C}">
+                <a14:useLocalDpi xmlns:a14="http://schemas.microsoft.com/office/drawing/2010/main" val="0"/>
+              </a:ext>
+            </a:extLst>
+          </a:blip>
+          <a:srcRect/>
+          <a:stretch>
+            <a:fillRect/>
+          </a:stretch>
+        </p:blipFill>
+        <p:spPr bwMode="auto">
+          <a:xfrm>
+            <a:off x="29063794" y="22180873"/>
+            <a:ext cx="7271781" cy="5472735"/>
+          </a:xfrm>
+          <a:prstGeom prst="rect">
+            <a:avLst/>
+          </a:prstGeom>
+          <a:noFill/>
+          <a:extLst>
+            <a:ext uri="{909E8E84-426E-40DD-AFC4-6F175D3DCCD1}">
+              <a14:hiddenFill xmlns:a14="http://schemas.microsoft.com/office/drawing/2010/main">
+                <a:solidFill>
+                  <a:srgbClr val="FFFFFF"/>
+                </a:solidFill>
+              </a14:hiddenFill>
+            </a:ext>
+          </a:extLst>
+        </p:spPr>
+      </p:pic>
+      <p:pic>
+        <p:nvPicPr>
+          <p:cNvPr id="30" name="Picture 4" descr="Screen Shot 2017-04-22 at 10.25.31 PM.png"/>
+          <p:cNvPicPr>
+            <a:picLocks noChangeAspect="1" noChangeArrowheads="1"/>
+          </p:cNvPicPr>
+          <p:nvPr/>
+        </p:nvPicPr>
+        <p:blipFill>
+          <a:blip r:embed="rId9">
+            <a:extLst>
+              <a:ext uri="{28A0092B-C50C-407E-A947-70E740481C1C}">
+                <a14:useLocalDpi xmlns:a14="http://schemas.microsoft.com/office/drawing/2010/main" val="0"/>
+              </a:ext>
+            </a:extLst>
+          </a:blip>
+          <a:srcRect/>
+          <a:stretch>
+            <a:fillRect/>
+          </a:stretch>
+        </p:blipFill>
+        <p:spPr bwMode="auto">
+          <a:xfrm>
+            <a:off x="37107900" y="21919557"/>
+            <a:ext cx="5695950" cy="5734051"/>
+          </a:xfrm>
+          <a:prstGeom prst="rect">
+            <a:avLst/>
+          </a:prstGeom>
+          <a:noFill/>
+          <a:extLst>
+            <a:ext uri="{909E8E84-426E-40DD-AFC4-6F175D3DCCD1}">
+              <a14:hiddenFill xmlns:a14="http://schemas.microsoft.com/office/drawing/2010/main">
+                <a:solidFill>
+                  <a:srgbClr val="FFFFFF"/>
+                </a:solidFill>
+              </a14:hiddenFill>
+            </a:ext>
+          </a:extLst>
+        </p:spPr>
+      </p:pic>
     </p:spTree>
     <p:extLst>
       <p:ext uri="{BB962C8B-B14F-4D97-AF65-F5344CB8AC3E}">
@@ -5033,6 +5482,13 @@
   <p:clrMapOvr>
     <a:masterClrMapping/>
   </p:clrMapOvr>
+  <p:timing>
+    <p:tnLst>
+      <p:par>
+        <p:cTn id="1" dur="indefinite" restart="never" nodeType="tmRoot"/>
+      </p:par>
+    </p:tnLst>
+  </p:timing>
 </p:sld>
 </file>
 

--- a/rbtree_poster.pptx
+++ b/rbtree_poster.pptx
@@ -3529,31 +3529,16 @@
               <a:rPr lang="en-US" sz="2800" dirty="0" smtClean="0">
                 <a:latin typeface="Calibri" pitchFamily="34" charset="0"/>
               </a:rPr>
-              <a:t>a</a:t>
-            </a:r>
+              <a:t>a. Graphics </a:t>
+            </a:r>
+          </a:p>
+          <a:p>
+            <a:pPr lvl="1" indent="0" eaLnBrk="1" hangingPunct="1"/>
             <a:r>
               <a:rPr lang="en-US" sz="2800" dirty="0" smtClean="0">
                 <a:latin typeface="Calibri" pitchFamily="34" charset="0"/>
               </a:rPr>
-              <a:t>. Graphics </a:t>
-            </a:r>
-            <a:endParaRPr lang="en-US" sz="2800" dirty="0" smtClean="0">
-              <a:latin typeface="Calibri" pitchFamily="34" charset="0"/>
-            </a:endParaRPr>
-          </a:p>
-          <a:p>
-            <a:pPr lvl="1" indent="0" eaLnBrk="1" hangingPunct="1"/>
-            <a:r>
-              <a:rPr lang="en-US" sz="2800" dirty="0" smtClean="0">
-                <a:latin typeface="Calibri" pitchFamily="34" charset="0"/>
-              </a:rPr>
-              <a:t>b</a:t>
-            </a:r>
-            <a:r>
-              <a:rPr lang="en-US" sz="2800" dirty="0" smtClean="0">
-                <a:latin typeface="Calibri" pitchFamily="34" charset="0"/>
-              </a:rPr>
-              <a:t>. Networking</a:t>
+              <a:t>b. Networking</a:t>
             </a:r>
           </a:p>
           <a:p>
@@ -3595,13 +3580,7 @@
               <a:rPr lang="en-US" sz="2800" dirty="0" smtClean="0">
                 <a:latin typeface="Calibri" pitchFamily="34" charset="0"/>
               </a:rPr>
-              <a:t>   </a:t>
-            </a:r>
-            <a:r>
-              <a:rPr lang="en-US" sz="2800" dirty="0" smtClean="0">
-                <a:latin typeface="Calibri" pitchFamily="34" charset="0"/>
-              </a:rPr>
-              <a:t>b. Sets</a:t>
+              <a:t>   b. Sets</a:t>
             </a:r>
           </a:p>
           <a:p>
@@ -3646,31 +3625,16 @@
               <a:rPr lang="en-US" sz="2800" dirty="0" smtClean="0">
                 <a:latin typeface="Calibri" pitchFamily="34" charset="0"/>
               </a:rPr>
-              <a:t>b. </a:t>
-            </a:r>
+              <a:t>b. Terrain</a:t>
+            </a:r>
+          </a:p>
+          <a:p>
+            <a:pPr eaLnBrk="1" hangingPunct="1"/>
             <a:r>
               <a:rPr lang="en-US" sz="2800" dirty="0" smtClean="0">
                 <a:latin typeface="Calibri" pitchFamily="34" charset="0"/>
               </a:rPr>
-              <a:t>Terrain</a:t>
-            </a:r>
-            <a:endParaRPr lang="en-US" sz="2800" dirty="0" smtClean="0">
-              <a:latin typeface="Calibri" pitchFamily="34" charset="0"/>
-            </a:endParaRPr>
-          </a:p>
-          <a:p>
-            <a:pPr eaLnBrk="1" hangingPunct="1"/>
-            <a:r>
-              <a:rPr lang="en-US" sz="2800" dirty="0" smtClean="0">
-                <a:latin typeface="Calibri" pitchFamily="34" charset="0"/>
-              </a:rPr>
-              <a:t>	c. </a:t>
-            </a:r>
-            <a:r>
-              <a:rPr lang="en-US" sz="2800" dirty="0" smtClean="0">
-                <a:latin typeface="Calibri" pitchFamily="34" charset="0"/>
-              </a:rPr>
-              <a:t>Mazes</a:t>
+              <a:t>	c. Mazes</a:t>
             </a:r>
           </a:p>
           <a:p>
@@ -3685,17 +3649,8 @@
               <a:rPr lang="en-US" sz="2800" dirty="0" smtClean="0">
                 <a:latin typeface="Calibri" pitchFamily="34" charset="0"/>
               </a:rPr>
-              <a:t>IV. Math </a:t>
-            </a:r>
-            <a:r>
-              <a:rPr lang="en-US" sz="2800" dirty="0" smtClean="0">
-                <a:latin typeface="Calibri" pitchFamily="34" charset="0"/>
-              </a:rPr>
-              <a:t>Problems</a:t>
-            </a:r>
-            <a:endParaRPr lang="en-US" sz="2800" dirty="0" smtClean="0">
-              <a:latin typeface="Calibri" pitchFamily="34" charset="0"/>
-            </a:endParaRPr>
+              <a:t>IV. Math Problems</a:t>
+            </a:r>
           </a:p>
           <a:p>
             <a:pPr lvl="1" indent="0" eaLnBrk="1" hangingPunct="1"/>
@@ -3721,23 +3676,8 @@
               <a:rPr lang="en-US" sz="2800" dirty="0" smtClean="0">
                 <a:latin typeface="Calibri" pitchFamily="34" charset="0"/>
               </a:rPr>
-              <a:t>	 b</a:t>
-            </a:r>
-            <a:r>
-              <a:rPr lang="en-US" sz="2800" dirty="0" smtClean="0">
-                <a:latin typeface="Calibri" pitchFamily="34" charset="0"/>
-              </a:rPr>
-              <a:t>. </a:t>
-            </a:r>
-            <a:r>
-              <a:rPr lang="en-US" sz="2800" dirty="0" smtClean="0">
-                <a:latin typeface="Calibri" pitchFamily="34" charset="0"/>
-              </a:rPr>
-              <a:t>Combinatorics</a:t>
-            </a:r>
-            <a:endParaRPr lang="en-US" sz="2800" dirty="0" smtClean="0">
-              <a:latin typeface="Calibri" pitchFamily="34" charset="0"/>
-            </a:endParaRPr>
+              <a:t>	 b. Combinatorics</a:t>
+            </a:r>
           </a:p>
         </p:txBody>
       </p:sp>
@@ -3938,9 +3878,6 @@
               </a:rPr>
               <a:t>RB Trees are used in real world systems to make searching and sorting easier, faster, and more efficient. Red Black trees are often times the most efficient tree-like data structure to use in the appropriate context. The Red Black Tree can also be used to implement other data structures in the most efficient way possible. Although RB Trees are generally very efficient in terms of time complexity, they are sometimes less efficient than other data structures because of memory over head. We’ve found that Red Black Trees work well along side Hash-like and Map data structures. We hope to see more Red Black Tree projects in the future. We hope to design and study more RB Tree systems and share our results. </a:t>
             </a:r>
-            <a:endParaRPr lang="en-US" sz="3200" dirty="0" smtClean="0">
-              <a:latin typeface="Calibri" pitchFamily="34" charset="0"/>
-            </a:endParaRPr>
           </a:p>
         </p:txBody>
       </p:sp>
@@ -4165,9 +4102,6 @@
               </a:rPr>
               <a:t>.</a:t>
             </a:r>
-            <a:endParaRPr lang="en-US" sz="2800" dirty="0" smtClean="0">
-              <a:latin typeface="Calibri" pitchFamily="34" charset="0"/>
-            </a:endParaRPr>
           </a:p>
           <a:p>
             <a:pPr eaLnBrk="1" hangingPunct="1"/>
@@ -4181,35 +4115,8 @@
               <a:rPr lang="en-US" sz="2800" dirty="0" smtClean="0">
                 <a:latin typeface="Calibri" pitchFamily="34" charset="0"/>
               </a:rPr>
-              <a:t>We </a:t>
-            </a:r>
-            <a:r>
-              <a:rPr lang="en-US" sz="2800" dirty="0" smtClean="0">
-                <a:latin typeface="Calibri" pitchFamily="34" charset="0"/>
-              </a:rPr>
-              <a:t>proposed </a:t>
-            </a:r>
-            <a:r>
-              <a:rPr lang="en-US" sz="2800" dirty="0" smtClean="0">
-                <a:latin typeface="Calibri" pitchFamily="34" charset="0"/>
-              </a:rPr>
-              <a:t>system </a:t>
-            </a:r>
-            <a:r>
-              <a:rPr lang="en-US" sz="2800" dirty="0" smtClean="0">
-                <a:latin typeface="Calibri" pitchFamily="34" charset="0"/>
-              </a:rPr>
-              <a:t>in which Red Black Trees were used directly and indirectly</a:t>
-            </a:r>
-            <a:r>
-              <a:rPr lang="en-US" sz="2800" dirty="0" smtClean="0">
-                <a:latin typeface="Calibri" pitchFamily="34" charset="0"/>
-              </a:rPr>
-              <a:t>.</a:t>
-            </a:r>
-            <a:endParaRPr lang="en-US" sz="2800" dirty="0" smtClean="0">
-              <a:latin typeface="Calibri" pitchFamily="34" charset="0"/>
-            </a:endParaRPr>
+              <a:t>We proposed system in which Red Black Trees were used directly and indirectly.</a:t>
+            </a:r>
           </a:p>
           <a:p>
             <a:pPr marL="457200" indent="-457200" eaLnBrk="1" hangingPunct="1">
@@ -4232,13 +4139,7 @@
               <a:rPr lang="en-US" sz="2800" dirty="0" smtClean="0">
                 <a:latin typeface="Calibri" pitchFamily="34" charset="0"/>
               </a:rPr>
-              <a:t>RB Tree Direct Use: We used a RB Tree implementation to organize students’ ID </a:t>
-            </a:r>
-            <a:r>
-              <a:rPr lang="en-US" sz="2800" dirty="0" smtClean="0">
-                <a:latin typeface="Calibri" pitchFamily="34" charset="0"/>
-              </a:rPr>
-              <a:t>numbers from a school database</a:t>
+              <a:t>RB Tree Direct Use: We used a RB Tree implementation to organize students’ ID numbers from a school database</a:t>
             </a:r>
           </a:p>
           <a:p>
@@ -4582,13 +4483,7 @@
               <a:rPr lang="en-US" sz="3200" dirty="0" smtClean="0">
                 <a:latin typeface="Calibri" pitchFamily="34" charset="0"/>
               </a:rPr>
-              <a:t>Java – Tree Maps, Tree </a:t>
-            </a:r>
-            <a:r>
-              <a:rPr lang="en-US" sz="3200" dirty="0" smtClean="0">
-                <a:latin typeface="Calibri" pitchFamily="34" charset="0"/>
-              </a:rPr>
-              <a:t>Sets</a:t>
+              <a:t>Java – Tree Maps, Tree Sets</a:t>
             </a:r>
           </a:p>
           <a:p>
@@ -4630,13 +4525,22 @@
               <a:rPr lang="en-US" sz="3200" dirty="0" smtClean="0">
                 <a:latin typeface="Calibri" pitchFamily="34" charset="0"/>
               </a:rPr>
-              <a:t>C++ – </a:t>
+              <a:t>C++ – STL sets and maps</a:t>
+            </a:r>
+          </a:p>
+          <a:p>
+            <a:pPr eaLnBrk="1" hangingPunct="1"/>
+            <a:r>
+              <a:rPr lang="en-US" sz="3200" dirty="0">
+                <a:latin typeface="Calibri" pitchFamily="34" charset="0"/>
+              </a:rPr>
+              <a:t>	</a:t>
             </a:r>
             <a:r>
               <a:rPr lang="en-US" sz="3200" dirty="0" smtClean="0">
                 <a:latin typeface="Calibri" pitchFamily="34" charset="0"/>
               </a:rPr>
-              <a:t>STL sets and maps</a:t>
+              <a:t>*balances sets and maps</a:t>
             </a:r>
           </a:p>
           <a:p>
@@ -4651,32 +4555,8 @@
               <a:rPr lang="en-US" sz="3200" dirty="0" smtClean="0">
                 <a:latin typeface="Calibri" pitchFamily="34" charset="0"/>
               </a:rPr>
-              <a:t>*balances sets and maps</a:t>
-            </a:r>
-          </a:p>
-          <a:p>
-            <a:pPr eaLnBrk="1" hangingPunct="1"/>
-            <a:r>
-              <a:rPr lang="en-US" sz="3200" dirty="0">
-                <a:latin typeface="Calibri" pitchFamily="34" charset="0"/>
-              </a:rPr>
-              <a:t>	</a:t>
-            </a:r>
-            <a:r>
-              <a:rPr lang="en-US" sz="3200" dirty="0" smtClean="0">
-                <a:latin typeface="Calibri" pitchFamily="34" charset="0"/>
-              </a:rPr>
-              <a:t>*</a:t>
-            </a:r>
-            <a:r>
-              <a:rPr lang="en-US" sz="3200" dirty="0" smtClean="0">
-                <a:latin typeface="Calibri" pitchFamily="34" charset="0"/>
-              </a:rPr>
-              <a:t>prevents duplicates and degeneration</a:t>
-            </a:r>
-            <a:endParaRPr lang="en-US" sz="3200" dirty="0" smtClean="0">
-              <a:latin typeface="Calibri" pitchFamily="34" charset="0"/>
-            </a:endParaRPr>
+              <a:t>*prevents duplicates and degeneration</a:t>
+            </a:r>
           </a:p>
         </p:txBody>
       </p:sp>
@@ -5470,6 +5350,36 @@
               </a14:hiddenFill>
             </a:ext>
           </a:extLst>
+        </p:spPr>
+      </p:pic>
+      <p:pic>
+        <p:nvPicPr>
+          <p:cNvPr id="6" name="Picture 5"/>
+          <p:cNvPicPr>
+            <a:picLocks noChangeAspect="1"/>
+          </p:cNvPicPr>
+          <p:nvPr/>
+        </p:nvPicPr>
+        <p:blipFill>
+          <a:blip r:embed="rId10">
+            <a:extLst>
+              <a:ext uri="{28A0092B-C50C-407E-A947-70E740481C1C}">
+                <a14:useLocalDpi xmlns:a14="http://schemas.microsoft.com/office/drawing/2010/main" val="0"/>
+              </a:ext>
+            </a:extLst>
+          </a:blip>
+          <a:stretch>
+            <a:fillRect/>
+          </a:stretch>
+        </p:blipFill>
+        <p:spPr>
+          <a:xfrm>
+            <a:off x="1335514" y="864370"/>
+            <a:ext cx="3578363" cy="2716107"/>
+          </a:xfrm>
+          <a:prstGeom prst="rect">
+            <a:avLst/>
+          </a:prstGeom>
         </p:spPr>
       </p:pic>
     </p:spTree>

--- a/rbtree_poster.pptx
+++ b/rbtree_poster.pptx
@@ -321,7 +321,7 @@
           <a:p>
             <a:fld id="{985D6BDF-9D0E-4E2B-85B8-D8F4790360C9}" type="datetimeFigureOut">
               <a:rPr lang="en-US" smtClean="0"/>
-              <a:t>3/28/2018</a:t>
+              <a:t>3/30/2018</a:t>
             </a:fld>
             <a:endParaRPr lang="en-US" dirty="0"/>
           </a:p>
@@ -1114,16 +1114,6 @@
                 <a:spcPts val="1800"/>
               </a:spcAft>
             </a:pPr>
-            <a:r>
-              <a:rPr lang="en-US" sz="3600" dirty="0">
-                <a:solidFill>
-                  <a:srgbClr val="7F7F7F"/>
-                </a:solidFill>
-                <a:latin typeface="Calibri" pitchFamily="34" charset="0"/>
-                <a:cs typeface="Calibri" panose="020F0502020204030204" pitchFamily="34" charset="0"/>
-              </a:rPr>
-              <a:t/>
-            </a:r>
             <a:br>
               <a:rPr lang="en-US" sz="3600" dirty="0">
                 <a:solidFill>
@@ -1835,18 +1825,6 @@
                   <a:spcPts val="0"/>
                 </a:spcAft>
               </a:pPr>
-              <a:r>
-                <a:rPr lang="en-US" sz="3600" dirty="0">
-                  <a:solidFill>
-                    <a:schemeClr val="bg1">
-                      <a:lumMod val="50000"/>
-                    </a:schemeClr>
-                  </a:solidFill>
-                  <a:latin typeface="Calibri" pitchFamily="34" charset="0"/>
-                  <a:cs typeface="Calibri" panose="020F0502020204030204" pitchFamily="34" charset="0"/>
-                </a:rPr>
-                <a:t/>
-              </a:r>
               <a:br>
                 <a:rPr lang="en-US" sz="3600" dirty="0">
                   <a:solidFill>
@@ -2243,6 +2221,14 @@
 <file path=ppt/slides/slide1.xml><?xml version="1.0" encoding="utf-8"?>
 <p:sld xmlns:a="http://schemas.openxmlformats.org/drawingml/2006/main" xmlns:r="http://schemas.openxmlformats.org/officeDocument/2006/relationships" xmlns:p="http://schemas.openxmlformats.org/presentationml/2006/main">
   <p:cSld>
+    <p:bg>
+      <p:bgPr>
+        <a:solidFill>
+          <a:schemeClr val="tx1"/>
+        </a:solidFill>
+        <a:effectLst/>
+      </p:bgPr>
+    </p:bg>
     <p:spTree>
       <p:nvGrpSpPr>
         <p:cNvPr id="1" name=""/>
@@ -2418,7 +2404,7 @@
                 </a:solidFill>
                 <a:latin typeface="+mn-lt"/>
               </a:rPr>
-              <a:t>An Exploration of Red Black Trees and Applications</a:t>
+              <a:t>An Exploration of Red Black Trees and Their Applications</a:t>
             </a:r>
           </a:p>
         </p:txBody>
@@ -2622,77 +2608,73 @@
           <a:lstStyle/>
           <a:p>
             <a:r>
-              <a:rPr lang="en-US" sz="2800" dirty="0" smtClean="0"/>
+              <a:rPr lang="en-US" sz="2800" dirty="0"/>
               <a:t>Joanne Wardell, KD Adkins, Austin Hufstetler, Omar Batyah, Beth Norton</a:t>
             </a:r>
-            <a:endParaRPr lang="en-US" sz="2800" dirty="0"/>
-          </a:p>
-          <a:p>
-            <a:r>
-              <a:rPr lang="en-US" sz="2800" dirty="0" smtClean="0"/>
+          </a:p>
+          <a:p>
+            <a:r>
+              <a:rPr lang="en-US" sz="2800" dirty="0"/>
               <a:t>Valdosta State University, Computer Science Department</a:t>
             </a:r>
-            <a:endParaRPr lang="en-US" sz="2800" dirty="0"/>
-          </a:p>
-          <a:p>
-            <a:r>
-              <a:rPr lang="en-US" sz="2800" dirty="0" smtClean="0"/>
+          </a:p>
+          <a:p>
+            <a:r>
+              <a:rPr lang="en-US" sz="2800" dirty="0"/>
               <a:t>1500 North Patterson Street</a:t>
             </a:r>
-            <a:endParaRPr lang="en-US" sz="2800" dirty="0"/>
-          </a:p>
-          <a:p>
-            <a:r>
-              <a:rPr lang="en-US" sz="2800" dirty="0" smtClean="0"/>
+          </a:p>
+          <a:p>
+            <a:r>
+              <a:rPr lang="en-US" sz="2800" dirty="0"/>
               <a:t>{</a:t>
             </a:r>
             <a:r>
-              <a:rPr lang="en-US" sz="2800" dirty="0" err="1" smtClean="0"/>
+              <a:rPr lang="en-US" sz="2800" dirty="0" err="1"/>
               <a:t>jawardell</a:t>
             </a:r>
             <a:r>
-              <a:rPr lang="en-US" sz="2800" dirty="0" smtClean="0"/>
+              <a:rPr lang="en-US" sz="2800" dirty="0"/>
               <a:t>, </a:t>
             </a:r>
             <a:r>
-              <a:rPr lang="en-US" sz="2800" dirty="0" err="1" smtClean="0"/>
+              <a:rPr lang="en-US" sz="2800" dirty="0" err="1"/>
               <a:t>dsadkins</a:t>
             </a:r>
             <a:r>
-              <a:rPr lang="en-US" sz="2800" dirty="0" smtClean="0"/>
+              <a:rPr lang="en-US" sz="2800" dirty="0"/>
               <a:t>, </a:t>
             </a:r>
             <a:r>
-              <a:rPr lang="en-US" sz="2800" dirty="0" err="1" smtClean="0"/>
+              <a:rPr lang="en-US" sz="2800" dirty="0" err="1"/>
               <a:t>wahufstetler</a:t>
             </a:r>
             <a:r>
-              <a:rPr lang="en-US" sz="2800" dirty="0" smtClean="0"/>
+              <a:rPr lang="en-US" sz="2800" dirty="0"/>
               <a:t>, </a:t>
             </a:r>
             <a:r>
-              <a:rPr lang="en-US" sz="2800" dirty="0" err="1" smtClean="0"/>
+              <a:rPr lang="en-US" sz="2800" dirty="0" err="1"/>
               <a:t>obatyah</a:t>
             </a:r>
             <a:r>
-              <a:rPr lang="en-US" sz="2800" dirty="0" smtClean="0"/>
+              <a:rPr lang="en-US" sz="2800" dirty="0"/>
               <a:t>, </a:t>
             </a:r>
             <a:r>
-              <a:rPr lang="en-US" sz="2800" dirty="0" err="1" smtClean="0"/>
+              <a:rPr lang="en-US" sz="2800" dirty="0" err="1"/>
               <a:t>banorton</a:t>
             </a:r>
             <a:r>
-              <a:rPr lang="en-US" sz="2800" dirty="0" smtClean="0"/>
+              <a:rPr lang="en-US" sz="2800" dirty="0"/>
               <a:t>} @valdosta.edu</a:t>
             </a:r>
           </a:p>
           <a:p>
             <a:r>
-              <a:rPr lang="en-US" sz="2800" dirty="0" smtClean="0"/>
+              <a:rPr lang="en-US" sz="2800" dirty="0"/>
               <a:t>229-245-2496</a:t>
             </a:r>
-            <a:endParaRPr lang="en-US" sz="2800" dirty="0"/>
           </a:p>
         </p:txBody>
       </p:sp>
@@ -2753,7 +2735,23 @@
             </a:pPr>
             <a:r>
               <a:rPr lang="en-US" sz="1600" dirty="0"/>
-              <a:t> </a:t>
+              <a:t> Luo, L., Ng, M., Lee, A. and Ang, W. (</a:t>
+            </a:r>
+            <a:r>
+              <a:rPr lang="en-US" sz="1600" dirty="0" err="1"/>
+              <a:t>n</a:t>
+            </a:r>
+            <a:r>
+              <a:rPr lang="en-US" sz="1600" err="1"/>
+              <a:t>.</a:t>
+            </a:r>
+            <a:r>
+              <a:rPr lang="en-US" sz="1600"/>
+              <a:t>d.). </a:t>
+            </a:r>
+            <a:r>
+              <a:rPr lang="en-US" sz="1600" dirty="0"/>
+              <a:t>Data Structures and Algorithms: Red-Black Trees. [online] Cs.auckland.ac.nz. Available at: https://www.cs.auckland.ac.nz/software/AlgAnim/red_black.html [Accessed 31 Mar. 2018].</a:t>
             </a:r>
           </a:p>
           <a:p>
@@ -2762,8 +2760,28 @@
               <a:buAutoNum type="arabicPeriod"/>
             </a:pPr>
             <a:r>
+              <a:rPr lang="en-US" sz="1600" dirty="0" err="1"/>
+              <a:t>Patil</a:t>
+            </a:r>
+            <a:r>
               <a:rPr lang="en-US" sz="1600" dirty="0"/>
-              <a:t> </a:t>
+              <a:t>, Pooja &amp; </a:t>
+            </a:r>
+            <a:r>
+              <a:rPr lang="en-US" sz="1600" dirty="0" err="1"/>
+              <a:t>Dhotre</a:t>
+            </a:r>
+            <a:r>
+              <a:rPr lang="en-US" sz="1600" dirty="0"/>
+              <a:t>, Sunita &amp; Shankar, </a:t>
+            </a:r>
+            <a:r>
+              <a:rPr lang="en-US" sz="1600" dirty="0" err="1"/>
+              <a:t>Rucha</a:t>
+            </a:r>
+            <a:r>
+              <a:rPr lang="en-US" sz="1600" dirty="0"/>
+              <a:t>. (2016). A Survey on Fairness and Performance Analysis of Completely Fair Scheduler in Linux Kernel. International Journal of Control Theory and Applications. 9. 495-501.  </a:t>
             </a:r>
           </a:p>
           <a:p>
@@ -2773,7 +2791,7 @@
             </a:pPr>
             <a:r>
               <a:rPr lang="en-US" sz="1600" dirty="0"/>
-              <a:t> </a:t>
+              <a:t>Jones, M. (2009). Inside the Linux 2.6 Completely Fair Scheduler. [online] Ibm.com. Available at: https://www.ibm.com/developerworks/linux/library/l-completely-fair-scheduler/ [Accessed 20 Mar. 2018]. </a:t>
             </a:r>
           </a:p>
           <a:p>
@@ -2785,15 +2803,21 @@
               <a:rPr lang="en-US" sz="1600" dirty="0"/>
               <a:t> </a:t>
             </a:r>
-          </a:p>
-          <a:p>
-            <a:pPr marL="342842" indent="-342842">
-              <a:buFont typeface="+mj-lt"/>
-              <a:buAutoNum type="arabicPeriod"/>
-            </a:pPr>
+            <a:r>
+              <a:rPr lang="en-US" sz="1600" dirty="0" err="1"/>
+              <a:t>cpphamza</a:t>
+            </a:r>
             <a:r>
               <a:rPr lang="en-US" sz="1600" dirty="0"/>
-              <a:t> </a:t>
+              <a:t> (n.d.). An Introduction to Binary Search and Red-Black Trees – </a:t>
+            </a:r>
+            <a:r>
+              <a:rPr lang="en-US" sz="1600" dirty="0" err="1"/>
+              <a:t>topcoder</a:t>
+            </a:r>
+            <a:r>
+              <a:rPr lang="en-US" sz="1600" dirty="0"/>
+              <a:t>. [online] Topcoder.com. Available at: https://www.topcoder.com/community/data-science/data-science-tutorials/an-introduction-to-binary-search-and-red-black-trees/ [Accessed 25 Mar. 2018].</a:t>
             </a:r>
           </a:p>
           <a:p>
@@ -3008,12 +3032,12 @@
             </a:lvl9pPr>
           </a:lstStyle>
           <a:p>
-            <a:pPr eaLnBrk="1" hangingPunct="1"/>
+            <a:pPr algn="ctr" eaLnBrk="1" hangingPunct="1"/>
             <a:r>
               <a:rPr lang="en-US" sz="3200" dirty="0">
                 <a:latin typeface="Calibri" pitchFamily="34" charset="0"/>
               </a:rPr>
-              <a:t>A red black tree is a self balancing binary tree. Our research included the study of red black trees and their applications in real-world systems. One such system was a phone number lookup service that gave the user the ability to identify a caller from a phone number. We also used the data structure to model a school database. During this project, we explored the practical uses of red black trees, as well as their limitations in real-world systems. Our work with the red black trees allowed us to formulate opinions regarding additional applications in specific environments and systems. We also proposed ways for improving the implementation of the red black trees and object-oriented system that we utilized throughout the project..</a:t>
+              <a:t>A red black tree is a self balancing binary tree. Our research included the study of red black trees and their applications in real-world systems. One such system was a phone number lookup service that gave the user the ability to identify a caller from a phone number. We also used the data structure to model a school database. During this project, we explored the practical uses of red black trees, as well as their limitations in real-world systems. Our work with the red black trees allowed us to formulate opinions regarding additional applications in specific environments and systems. We also proposed ways for improving the implementation of the red black trees and object-oriented system that we utilized throughout the project.</a:t>
             </a:r>
           </a:p>
         </p:txBody>
@@ -3294,17 +3318,8 @@
               <a:rPr lang="en-US" sz="3200" dirty="0">
                 <a:latin typeface="Calibri" pitchFamily="34" charset="0"/>
               </a:rPr>
-              <a:t>Virtual runtime used as “key” to sort </a:t>
-            </a:r>
-            <a:r>
-              <a:rPr lang="en-US" sz="3200" dirty="0" smtClean="0">
-                <a:latin typeface="Calibri" pitchFamily="34" charset="0"/>
-              </a:rPr>
-              <a:t>on</a:t>
-            </a:r>
-            <a:endParaRPr lang="en-US" sz="3200" dirty="0">
-              <a:latin typeface="Calibri" pitchFamily="34" charset="0"/>
-            </a:endParaRPr>
+              <a:t>Virtual runtime used as “key” to sort on</a:t>
+            </a:r>
           </a:p>
         </p:txBody>
       </p:sp>
@@ -3378,7 +3393,7 @@
         <p:spPr bwMode="auto">
           <a:xfrm>
             <a:off x="29077920" y="5461698"/>
-            <a:ext cx="13167360" cy="8032922"/>
+            <a:ext cx="13167360" cy="9140917"/>
           </a:xfrm>
           <a:prstGeom prst="rect">
             <a:avLst/>
@@ -3500,7 +3515,7 @@
           <a:p>
             <a:pPr eaLnBrk="1" hangingPunct="1"/>
             <a:r>
-              <a:rPr lang="en-US" sz="2800" dirty="0" smtClean="0">
+              <a:rPr lang="en-US" sz="3200" dirty="0">
                 <a:latin typeface="Calibri" pitchFamily="34" charset="0"/>
               </a:rPr>
               <a:t>Places RB Trees could be used: </a:t>
@@ -3508,7 +3523,7 @@
           </a:p>
           <a:p>
             <a:pPr eaLnBrk="1" hangingPunct="1"/>
-            <a:endParaRPr lang="en-US" sz="2800" dirty="0">
+            <a:endParaRPr lang="en-US" sz="3200" dirty="0">
               <a:latin typeface="Calibri" pitchFamily="34" charset="0"/>
             </a:endParaRPr>
           </a:p>
@@ -3517,7 +3532,7 @@
               <a:buAutoNum type="romanUcPeriod"/>
             </a:pPr>
             <a:r>
-              <a:rPr lang="en-US" sz="2800" dirty="0" smtClean="0">
+              <a:rPr lang="en-US" sz="3200" dirty="0">
                 <a:latin typeface="Calibri" pitchFamily="34" charset="0"/>
               </a:rPr>
               <a:t>Projects</a:t>
@@ -3526,7 +3541,7 @@
           <a:p>
             <a:pPr lvl="1" indent="0" eaLnBrk="1" hangingPunct="1"/>
             <a:r>
-              <a:rPr lang="en-US" sz="2800" dirty="0" smtClean="0">
+              <a:rPr lang="en-US" sz="3200" dirty="0">
                 <a:latin typeface="Calibri" pitchFamily="34" charset="0"/>
               </a:rPr>
               <a:t>a. Graphics </a:t>
@@ -3535,7 +3550,7 @@
           <a:p>
             <a:pPr lvl="1" indent="0" eaLnBrk="1" hangingPunct="1"/>
             <a:r>
-              <a:rPr lang="en-US" sz="2800" dirty="0" smtClean="0">
+              <a:rPr lang="en-US" sz="3200" dirty="0">
                 <a:latin typeface="Calibri" pitchFamily="34" charset="0"/>
               </a:rPr>
               <a:t>b. Networking</a:t>
@@ -3543,14 +3558,14 @@
           </a:p>
           <a:p>
             <a:pPr lvl="1" indent="0" eaLnBrk="1" hangingPunct="1"/>
-            <a:endParaRPr lang="en-US" sz="2800" dirty="0" smtClean="0">
+            <a:endParaRPr lang="en-US" sz="3200" dirty="0">
               <a:latin typeface="Calibri" pitchFamily="34" charset="0"/>
             </a:endParaRPr>
           </a:p>
           <a:p>
             <a:pPr eaLnBrk="1" hangingPunct="1"/>
             <a:r>
-              <a:rPr lang="en-US" sz="2800" dirty="0" smtClean="0">
+              <a:rPr lang="en-US" sz="3200" dirty="0">
                 <a:latin typeface="Calibri" pitchFamily="34" charset="0"/>
               </a:rPr>
               <a:t>II. Data Structures</a:t>
@@ -3559,94 +3574,73 @@
           <a:p>
             <a:pPr lvl="1" indent="0" eaLnBrk="1" hangingPunct="1"/>
             <a:r>
-              <a:rPr lang="en-US" sz="2800" dirty="0">
-                <a:latin typeface="Calibri" pitchFamily="34" charset="0"/>
-              </a:rPr>
-              <a:t>	 a</a:t>
-            </a:r>
-            <a:r>
-              <a:rPr lang="en-US" sz="2800" dirty="0" smtClean="0">
-                <a:latin typeface="Calibri" pitchFamily="34" charset="0"/>
-              </a:rPr>
-              <a:t>. Maps</a:t>
-            </a:r>
-            <a:endParaRPr lang="en-US" sz="2800" dirty="0">
+              <a:rPr lang="en-US" sz="3200" dirty="0">
+                <a:latin typeface="Calibri" pitchFamily="34" charset="0"/>
+              </a:rPr>
+              <a:t>	 a. Maps</a:t>
+            </a:r>
+          </a:p>
+          <a:p>
+            <a:pPr lvl="1" indent="0" eaLnBrk="1" hangingPunct="1"/>
+            <a:r>
+              <a:rPr lang="en-US" sz="3200" dirty="0">
+                <a:latin typeface="Calibri" pitchFamily="34" charset="0"/>
+              </a:rPr>
+              <a:t>   b. Sets</a:t>
+            </a:r>
+          </a:p>
+          <a:p>
+            <a:pPr lvl="1" indent="0" eaLnBrk="1" hangingPunct="1"/>
+            <a:endParaRPr lang="en-US" sz="3200" dirty="0">
               <a:latin typeface="Calibri" pitchFamily="34" charset="0"/>
             </a:endParaRPr>
           </a:p>
           <a:p>
-            <a:pPr lvl="1" indent="0" eaLnBrk="1" hangingPunct="1"/>
-            <a:r>
-              <a:rPr lang="en-US" sz="2800" dirty="0" smtClean="0">
-                <a:latin typeface="Calibri" pitchFamily="34" charset="0"/>
-              </a:rPr>
-              <a:t>   b. Sets</a:t>
-            </a:r>
-          </a:p>
-          <a:p>
-            <a:pPr lvl="1" indent="0" eaLnBrk="1" hangingPunct="1"/>
-            <a:endParaRPr lang="en-US" sz="2800" dirty="0" smtClean="0">
+            <a:pPr eaLnBrk="1" hangingPunct="1"/>
+            <a:r>
+              <a:rPr lang="en-US" sz="3200" dirty="0">
+                <a:latin typeface="Calibri" pitchFamily="34" charset="0"/>
+              </a:rPr>
+              <a:t>III. Games</a:t>
+            </a:r>
+          </a:p>
+          <a:p>
+            <a:pPr eaLnBrk="1" hangingPunct="1"/>
+            <a:r>
+              <a:rPr lang="en-US" sz="3200" dirty="0">
+                <a:latin typeface="Calibri" pitchFamily="34" charset="0"/>
+              </a:rPr>
+              <a:t>	a. Caves</a:t>
+            </a:r>
+          </a:p>
+          <a:p>
+            <a:pPr eaLnBrk="1" hangingPunct="1"/>
+            <a:r>
+              <a:rPr lang="en-US" sz="3200" dirty="0">
+                <a:latin typeface="Calibri" pitchFamily="34" charset="0"/>
+              </a:rPr>
+              <a:t>	b. Terrain</a:t>
+            </a:r>
+          </a:p>
+          <a:p>
+            <a:pPr eaLnBrk="1" hangingPunct="1"/>
+            <a:r>
+              <a:rPr lang="en-US" sz="3200" dirty="0">
+                <a:latin typeface="Calibri" pitchFamily="34" charset="0"/>
+              </a:rPr>
+              <a:t>	c. Mazes</a:t>
+            </a:r>
+          </a:p>
+          <a:p>
+            <a:pPr eaLnBrk="1" hangingPunct="1"/>
+            <a:endParaRPr lang="en-US" sz="3200" dirty="0">
               <a:latin typeface="Calibri" pitchFamily="34" charset="0"/>
             </a:endParaRPr>
           </a:p>
           <a:p>
             <a:pPr eaLnBrk="1" hangingPunct="1"/>
             <a:r>
-              <a:rPr lang="en-US" sz="2800" dirty="0" smtClean="0">
-                <a:latin typeface="Calibri" pitchFamily="34" charset="0"/>
-              </a:rPr>
-              <a:t>III. Games</a:t>
-            </a:r>
-          </a:p>
-          <a:p>
-            <a:pPr eaLnBrk="1" hangingPunct="1"/>
-            <a:r>
-              <a:rPr lang="en-US" sz="2800" dirty="0">
-                <a:latin typeface="Calibri" pitchFamily="34" charset="0"/>
-              </a:rPr>
-              <a:t>	</a:t>
-            </a:r>
-            <a:r>
-              <a:rPr lang="en-US" sz="2800" dirty="0" smtClean="0">
-                <a:latin typeface="Calibri" pitchFamily="34" charset="0"/>
-              </a:rPr>
-              <a:t>a. Caves</a:t>
-            </a:r>
-          </a:p>
-          <a:p>
-            <a:pPr eaLnBrk="1" hangingPunct="1"/>
-            <a:r>
-              <a:rPr lang="en-US" sz="2800" dirty="0">
-                <a:latin typeface="Calibri" pitchFamily="34" charset="0"/>
-              </a:rPr>
-              <a:t>	</a:t>
-            </a:r>
-            <a:r>
-              <a:rPr lang="en-US" sz="2800" dirty="0" smtClean="0">
-                <a:latin typeface="Calibri" pitchFamily="34" charset="0"/>
-              </a:rPr>
-              <a:t>b. Terrain</a:t>
-            </a:r>
-          </a:p>
-          <a:p>
-            <a:pPr eaLnBrk="1" hangingPunct="1"/>
-            <a:r>
-              <a:rPr lang="en-US" sz="2800" dirty="0" smtClean="0">
-                <a:latin typeface="Calibri" pitchFamily="34" charset="0"/>
-              </a:rPr>
-              <a:t>	c. Mazes</a:t>
-            </a:r>
-          </a:p>
-          <a:p>
-            <a:pPr eaLnBrk="1" hangingPunct="1"/>
-            <a:endParaRPr lang="en-US" sz="2800" dirty="0" smtClean="0">
-              <a:latin typeface="Calibri" pitchFamily="34" charset="0"/>
-            </a:endParaRPr>
-          </a:p>
-          <a:p>
-            <a:pPr eaLnBrk="1" hangingPunct="1"/>
-            <a:r>
-              <a:rPr lang="en-US" sz="2800" dirty="0" smtClean="0">
+              <a:rPr lang="en-US" sz="3200" dirty="0">
                 <a:latin typeface="Calibri" pitchFamily="34" charset="0"/>
               </a:rPr>
               <a:t>IV. Math Problems</a:t>
@@ -3655,25 +3649,16 @@
           <a:p>
             <a:pPr lvl="1" indent="0" eaLnBrk="1" hangingPunct="1"/>
             <a:r>
-              <a:rPr lang="en-US" sz="2800" dirty="0">
-                <a:latin typeface="Calibri" pitchFamily="34" charset="0"/>
-              </a:rPr>
-              <a:t>	 a</a:t>
-            </a:r>
-            <a:r>
-              <a:rPr lang="en-US" sz="2800" dirty="0" smtClean="0">
-                <a:latin typeface="Calibri" pitchFamily="34" charset="0"/>
-              </a:rPr>
-              <a:t>. Graph Theory</a:t>
-            </a:r>
-            <a:endParaRPr lang="en-US" sz="2800" dirty="0">
-              <a:latin typeface="Calibri" pitchFamily="34" charset="0"/>
-            </a:endParaRPr>
+              <a:rPr lang="en-US" sz="3200" dirty="0">
+                <a:latin typeface="Calibri" pitchFamily="34" charset="0"/>
+              </a:rPr>
+              <a:t>	 a. Graph Theory</a:t>
+            </a:r>
           </a:p>
           <a:p>
             <a:pPr lvl="1" indent="0" eaLnBrk="1" hangingPunct="1"/>
             <a:r>
-              <a:rPr lang="en-US" sz="2800" dirty="0" smtClean="0">
+              <a:rPr lang="en-US" sz="3200" dirty="0">
                 <a:latin typeface="Calibri" pitchFamily="34" charset="0"/>
               </a:rPr>
               <a:t>	 b. Combinatorics</a:t>
@@ -3871,9 +3856,9 @@
             </a:lvl9pPr>
           </a:lstStyle>
           <a:p>
-            <a:pPr eaLnBrk="1" hangingPunct="1"/>
-            <a:r>
-              <a:rPr lang="en-US" sz="3200" dirty="0" smtClean="0">
+            <a:pPr algn="ctr" eaLnBrk="1" hangingPunct="1"/>
+            <a:r>
+              <a:rPr lang="en-US" sz="3200" dirty="0">
                 <a:latin typeface="Calibri" pitchFamily="34" charset="0"/>
               </a:rPr>
               <a:t>RB Trees are used in real world systems to make searching and sorting easier, faster, and more efficient. Red Black trees are often times the most efficient tree-like data structure to use in the appropriate context. The Red Black Tree can also be used to implement other data structures in the most efficient way possible. Although RB Trees are generally very efficient in terms of time complexity, they are sometimes less efficient than other data structures because of memory over head. We’ve found that Red Black Trees work well along side Hash-like and Map data structures. We hope to see more Red Black Tree projects in the future. We hope to design and study more RB Tree systems and share our results. </a:t>
@@ -3951,7 +3936,7 @@
         <p:spPr bwMode="auto">
           <a:xfrm>
             <a:off x="15361920" y="20408113"/>
-            <a:ext cx="13167360" cy="7171147"/>
+            <a:ext cx="13167360" cy="5693820"/>
           </a:xfrm>
           <a:prstGeom prst="rect">
             <a:avLst/>
@@ -4071,51 +4056,12 @@
             </a:lvl9pPr>
           </a:lstStyle>
           <a:p>
-            <a:pPr eaLnBrk="1" hangingPunct="1"/>
-            <a:r>
-              <a:rPr lang="en-US" sz="2800" dirty="0" smtClean="0">
-                <a:latin typeface="Calibri" pitchFamily="34" charset="0"/>
-              </a:rPr>
-              <a:t>We </a:t>
-            </a:r>
-            <a:r>
-              <a:rPr lang="en-US" sz="2800" dirty="0">
-                <a:latin typeface="Calibri" pitchFamily="34" charset="0"/>
-              </a:rPr>
-              <a:t>worked with a large school database and used RB trees, Java </a:t>
-            </a:r>
-            <a:r>
-              <a:rPr lang="en-US" sz="2800" dirty="0" err="1">
-                <a:latin typeface="Calibri" pitchFamily="34" charset="0"/>
-              </a:rPr>
-              <a:t>TreeMaps</a:t>
-            </a:r>
-            <a:r>
-              <a:rPr lang="en-US" sz="2800" dirty="0">
-                <a:latin typeface="Calibri" pitchFamily="34" charset="0"/>
-              </a:rPr>
-              <a:t>, and Object Oriented Programming</a:t>
-            </a:r>
-            <a:r>
-              <a:rPr lang="en-US" sz="2800" dirty="0" smtClean="0">
-                <a:latin typeface="Calibri" pitchFamily="34" charset="0"/>
-              </a:rPr>
-              <a:t>.</a:t>
-            </a:r>
-          </a:p>
-          <a:p>
-            <a:pPr eaLnBrk="1" hangingPunct="1"/>
-            <a:endParaRPr lang="en-US" sz="2800" dirty="0">
-              <a:latin typeface="Calibri" pitchFamily="34" charset="0"/>
-            </a:endParaRPr>
-          </a:p>
-          <a:p>
-            <a:pPr eaLnBrk="1" hangingPunct="1"/>
-            <a:r>
-              <a:rPr lang="en-US" sz="2800" dirty="0" smtClean="0">
-                <a:latin typeface="Calibri" pitchFamily="34" charset="0"/>
-              </a:rPr>
-              <a:t>We proposed system in which Red Black Trees were used directly and indirectly.</a:t>
+            <a:pPr algn="ctr" eaLnBrk="1" hangingPunct="1"/>
+            <a:r>
+              <a:rPr lang="en-US" sz="3200" b="1" dirty="0">
+                <a:latin typeface="Calibri" pitchFamily="34" charset="0"/>
+              </a:rPr>
+              <a:t>School Database</a:t>
             </a:r>
           </a:p>
           <a:p>
@@ -4124,10 +4070,10 @@
               <a:buChar char="•"/>
             </a:pPr>
             <a:r>
-              <a:rPr lang="en-US" sz="2800" dirty="0" smtClean="0">
-                <a:latin typeface="Calibri" pitchFamily="34" charset="0"/>
-              </a:rPr>
-              <a:t>RB Tree Indirect Use: We placed students into a Java Tree Map</a:t>
+              <a:rPr lang="en-US" sz="3200" dirty="0">
+                <a:latin typeface="Calibri" pitchFamily="34" charset="0"/>
+              </a:rPr>
+              <a:t>Used Red-Black Trees to organize students and faculty in a school database</a:t>
             </a:r>
           </a:p>
           <a:p>
@@ -4136,71 +4082,74 @@
               <a:buChar char="•"/>
             </a:pPr>
             <a:r>
-              <a:rPr lang="en-US" sz="2800" dirty="0" smtClean="0">
-                <a:latin typeface="Calibri" pitchFamily="34" charset="0"/>
-              </a:rPr>
-              <a:t>RB Tree Direct Use: We used a RB Tree implementation to organize students’ ID numbers from a school database</a:t>
-            </a:r>
-          </a:p>
-          <a:p>
-            <a:pPr eaLnBrk="1" hangingPunct="1"/>
-            <a:endParaRPr lang="en-US" sz="2800" dirty="0" smtClean="0">
-              <a:latin typeface="Calibri" pitchFamily="34" charset="0"/>
-            </a:endParaRPr>
-          </a:p>
-          <a:p>
-            <a:pPr eaLnBrk="1" hangingPunct="1"/>
-            <a:r>
-              <a:rPr lang="en-US" sz="2800" dirty="0">
-                <a:latin typeface="Calibri" pitchFamily="34" charset="0"/>
-              </a:rPr>
-              <a:t>We designed a phone lookup service to tell the user what country the caller is coming from. Because phone numbers are unique and the dataset is so large, using RB Trees made searching and sorting very fast and efficient. </a:t>
-            </a:r>
-          </a:p>
-          <a:p>
-            <a:pPr eaLnBrk="1" hangingPunct="1"/>
-            <a:endParaRPr lang="en-US" sz="2800" dirty="0" smtClean="0">
-              <a:latin typeface="Calibri" pitchFamily="34" charset="0"/>
-            </a:endParaRPr>
-          </a:p>
-          <a:p>
-            <a:pPr eaLnBrk="1" hangingPunct="1"/>
-            <a:endParaRPr lang="en-US" sz="2800" dirty="0" smtClean="0">
-              <a:latin typeface="Calibri" pitchFamily="34" charset="0"/>
-            </a:endParaRPr>
-          </a:p>
-          <a:p>
-            <a:pPr eaLnBrk="1" hangingPunct="1"/>
-            <a:r>
-              <a:rPr lang="en-US" sz="2800" dirty="0" smtClean="0">
-                <a:latin typeface="Calibri" pitchFamily="34" charset="0"/>
-              </a:rPr>
-              <a:t>We implemented a phone lookup service in which we used Red Black trees  directly: </a:t>
-            </a:r>
-            <a:endParaRPr lang="en-US" sz="2800" dirty="0">
-              <a:latin typeface="Calibri" pitchFamily="34" charset="0"/>
-            </a:endParaRPr>
+              <a:rPr lang="en-US" sz="3200" dirty="0">
+                <a:latin typeface="Calibri" pitchFamily="34" charset="0"/>
+              </a:rPr>
+              <a:t>The student or faculty’s ID number was used as a key and a Person object was used as  the value</a:t>
+            </a:r>
           </a:p>
           <a:p>
             <a:pPr marL="457200" indent="-457200" eaLnBrk="1" hangingPunct="1">
               <a:buFont typeface="Arial" panose="020B0604020202020204" pitchFamily="34" charset="0"/>
               <a:buChar char="•"/>
             </a:pPr>
-            <a:r>
-              <a:rPr lang="en-US" sz="2800" dirty="0" smtClean="0">
-                <a:latin typeface="Calibri" pitchFamily="34" charset="0"/>
-              </a:rPr>
-              <a:t>Direct Use: We organized the numbers in the RB Tree for easy searching</a:t>
-            </a:r>
-            <a:endParaRPr lang="en-US" sz="2800" dirty="0">
+            <a:endParaRPr lang="en-US" sz="3200" dirty="0">
               <a:latin typeface="Calibri" pitchFamily="34" charset="0"/>
             </a:endParaRPr>
           </a:p>
           <a:p>
-            <a:pPr eaLnBrk="1" hangingPunct="1"/>
-            <a:endParaRPr lang="en-US" sz="2800" dirty="0" smtClean="0">
+            <a:pPr marL="457200" indent="-457200" eaLnBrk="1" hangingPunct="1">
+              <a:buFont typeface="Arial" panose="020B0604020202020204" pitchFamily="34" charset="0"/>
+              <a:buChar char="•"/>
+            </a:pPr>
+            <a:endParaRPr lang="en-US" sz="3200" dirty="0">
               <a:latin typeface="Calibri" pitchFamily="34" charset="0"/>
             </a:endParaRPr>
+          </a:p>
+          <a:p>
+            <a:pPr algn="ctr" eaLnBrk="1" hangingPunct="1"/>
+            <a:r>
+              <a:rPr lang="en-US" sz="3200" b="1" dirty="0">
+                <a:latin typeface="Calibri" pitchFamily="34" charset="0"/>
+              </a:rPr>
+              <a:t>Phone Lookup Service</a:t>
+            </a:r>
+          </a:p>
+          <a:p>
+            <a:pPr marL="457200" indent="-457200" eaLnBrk="1" hangingPunct="1">
+              <a:buFont typeface="Arial" panose="020B0604020202020204" pitchFamily="34" charset="0"/>
+              <a:buChar char="•"/>
+            </a:pPr>
+            <a:r>
+              <a:rPr lang="en-US" sz="3200" dirty="0">
+                <a:latin typeface="Calibri" pitchFamily="34" charset="0"/>
+              </a:rPr>
+              <a:t>Designed a system that returned country (and possibly identity) of caller</a:t>
+            </a:r>
+          </a:p>
+          <a:p>
+            <a:pPr marL="457200" indent="-457200" eaLnBrk="1" hangingPunct="1">
+              <a:buFont typeface="Arial" panose="020B0604020202020204" pitchFamily="34" charset="0"/>
+              <a:buChar char="•"/>
+            </a:pPr>
+            <a:r>
+              <a:rPr lang="en-US" sz="3200" dirty="0">
+                <a:latin typeface="Calibri" pitchFamily="34" charset="0"/>
+              </a:rPr>
+              <a:t>Phone number was key and the value was an array list of information</a:t>
+            </a:r>
+          </a:p>
+          <a:p>
+            <a:pPr marL="457200" indent="-457200" eaLnBrk="1" hangingPunct="1">
+              <a:buFont typeface="Arial" panose="020B0604020202020204" pitchFamily="34" charset="0"/>
+              <a:buChar char="•"/>
+            </a:pPr>
+            <a:r>
+              <a:rPr lang="en-US" sz="3200" dirty="0">
+                <a:latin typeface="Calibri" pitchFamily="34" charset="0"/>
+              </a:rPr>
+              <a:t>Useful as a real-world implementation because it allowed phone numbers from certain countries to be grouped together</a:t>
+            </a:r>
           </a:p>
         </p:txBody>
       </p:sp>
@@ -4253,18 +4202,13 @@
           <a:p>
             <a:pPr algn="ctr"/>
             <a:r>
-              <a:rPr lang="en-US" sz="4400" b="1" dirty="0" smtClean="0">
+              <a:rPr lang="en-US" sz="4400" b="1" dirty="0">
                 <a:solidFill>
                   <a:schemeClr val="bg1"/>
                 </a:solidFill>
               </a:rPr>
               <a:t>Our Group’s Applications</a:t>
             </a:r>
-            <a:endParaRPr lang="en-US" sz="4400" b="1" dirty="0">
-              <a:solidFill>
-                <a:schemeClr val="bg1"/>
-              </a:solidFill>
-            </a:endParaRPr>
           </a:p>
         </p:txBody>
       </p:sp>
@@ -4317,18 +4261,13 @@
           <a:p>
             <a:pPr algn="ctr"/>
             <a:r>
-              <a:rPr lang="en-US" sz="4400" b="1" dirty="0" smtClean="0">
+              <a:rPr lang="en-US" sz="4400" b="1" dirty="0">
                 <a:solidFill>
                   <a:schemeClr val="bg1"/>
                 </a:solidFill>
               </a:rPr>
               <a:t>Implementing Data Structures using RB Trees</a:t>
             </a:r>
-            <a:endParaRPr lang="en-US" sz="4400" b="1" dirty="0">
-              <a:solidFill>
-                <a:schemeClr val="bg1"/>
-              </a:solidFill>
-            </a:endParaRPr>
           </a:p>
         </p:txBody>
       </p:sp>
@@ -4465,7 +4404,7 @@
           <a:p>
             <a:pPr eaLnBrk="1" hangingPunct="1"/>
             <a:r>
-              <a:rPr lang="en-US" sz="3200" dirty="0" smtClean="0">
+              <a:rPr lang="en-US" sz="3200" dirty="0">
                 <a:latin typeface="Calibri" pitchFamily="34" charset="0"/>
               </a:rPr>
               <a:t>Programming Languages use Red Black Trees to implement other data structures. </a:t>
@@ -4480,7 +4419,7 @@
           <a:p>
             <a:pPr eaLnBrk="1" hangingPunct="1"/>
             <a:r>
-              <a:rPr lang="en-US" sz="3200" dirty="0" smtClean="0">
+              <a:rPr lang="en-US" sz="3200" dirty="0">
                 <a:latin typeface="Calibri" pitchFamily="34" charset="0"/>
               </a:rPr>
               <a:t>Java – Tree Maps, Tree Sets</a:t>
@@ -4492,7 +4431,7 @@
               <a:buChar char="•"/>
             </a:pPr>
             <a:r>
-              <a:rPr lang="en-US" sz="3200" dirty="0" smtClean="0">
+              <a:rPr lang="en-US" sz="3200" dirty="0">
                 <a:latin typeface="Calibri" pitchFamily="34" charset="0"/>
               </a:rPr>
               <a:t>balances the tree</a:t>
@@ -4504,25 +4443,19 @@
               <a:rPr lang="en-US" sz="3200" dirty="0">
                 <a:latin typeface="Calibri" pitchFamily="34" charset="0"/>
               </a:rPr>
-              <a:t>	</a:t>
-            </a:r>
-            <a:r>
-              <a:rPr lang="en-US" sz="3200" dirty="0" smtClean="0">
-                <a:latin typeface="Calibri" pitchFamily="34" charset="0"/>
-              </a:rPr>
-              <a:t>eliminates duplicates</a:t>
+              <a:t>	eliminates duplicates</a:t>
             </a:r>
           </a:p>
           <a:p>
             <a:pPr eaLnBrk="1" hangingPunct="1"/>
-            <a:endParaRPr lang="en-US" sz="3200" dirty="0" smtClean="0">
+            <a:endParaRPr lang="en-US" sz="3200" dirty="0">
               <a:latin typeface="Calibri" pitchFamily="34" charset="0"/>
             </a:endParaRPr>
           </a:p>
           <a:p>
             <a:pPr eaLnBrk="1" hangingPunct="1"/>
             <a:r>
-              <a:rPr lang="en-US" sz="3200" dirty="0" smtClean="0">
+              <a:rPr lang="en-US" sz="3200" dirty="0">
                 <a:latin typeface="Calibri" pitchFamily="34" charset="0"/>
               </a:rPr>
               <a:t>C++ – STL sets and maps</a:t>
@@ -4534,13 +4467,7 @@
               <a:rPr lang="en-US" sz="3200" dirty="0">
                 <a:latin typeface="Calibri" pitchFamily="34" charset="0"/>
               </a:rPr>
-              <a:t>	</a:t>
-            </a:r>
-            <a:r>
-              <a:rPr lang="en-US" sz="3200" dirty="0" smtClean="0">
-                <a:latin typeface="Calibri" pitchFamily="34" charset="0"/>
-              </a:rPr>
-              <a:t>*balances sets and maps</a:t>
+              <a:t>	*balances sets and maps</a:t>
             </a:r>
           </a:p>
           <a:p>
@@ -4549,13 +4476,7 @@
               <a:rPr lang="en-US" sz="3200" dirty="0">
                 <a:latin typeface="Calibri" pitchFamily="34" charset="0"/>
               </a:rPr>
-              <a:t>	</a:t>
-            </a:r>
-            <a:r>
-              <a:rPr lang="en-US" sz="3200" dirty="0" smtClean="0">
-                <a:latin typeface="Calibri" pitchFamily="34" charset="0"/>
-              </a:rPr>
-              <a:t>*prevents duplicates and degeneration</a:t>
+              <a:t>	*prevents duplicates and degeneration</a:t>
             </a:r>
           </a:p>
         </p:txBody>
@@ -4887,7 +4808,7 @@
           </a:p>
           <a:p>
             <a:pPr lvl="1" indent="0" eaLnBrk="1" hangingPunct="1"/>
-            <a:endParaRPr lang="en-US" sz="3200" dirty="0" smtClean="0">
+            <a:endParaRPr lang="en-US" sz="3200" dirty="0">
               <a:latin typeface="+mn-lt"/>
             </a:endParaRPr>
           </a:p>
@@ -4898,58 +4819,58 @@
             </a:endParaRPr>
           </a:p>
           <a:p>
-            <a:pPr lvl="1" indent="0" eaLnBrk="1" hangingPunct="1"/>
-            <a:endParaRPr lang="en-US" sz="3200" dirty="0" smtClean="0">
+            <a:pPr lvl="1" indent="0" algn="ctr" eaLnBrk="1" hangingPunct="1"/>
+            <a:endParaRPr lang="en-US" sz="3200" dirty="0">
               <a:latin typeface="+mn-lt"/>
             </a:endParaRPr>
           </a:p>
           <a:p>
-            <a:pPr eaLnBrk="1" hangingPunct="1"/>
-            <a:r>
-              <a:rPr lang="en-US" sz="3200" b="1" dirty="0">
+            <a:pPr algn="ctr" eaLnBrk="1" hangingPunct="1"/>
+            <a:r>
+              <a:rPr lang="en-US" sz="3200" dirty="0">
                 <a:latin typeface="Calibri" pitchFamily="34" charset="0"/>
               </a:rPr>
               <a:t>Theoretical Calculations: RB trees compared to BST or AVL</a:t>
             </a:r>
           </a:p>
           <a:p>
-            <a:pPr eaLnBrk="1" hangingPunct="1"/>
-            <a:endParaRPr lang="en-US" sz="3200" b="1" dirty="0">
+            <a:pPr algn="ctr" eaLnBrk="1" hangingPunct="1"/>
+            <a:endParaRPr lang="en-US" sz="3200" dirty="0">
               <a:latin typeface="Calibri" pitchFamily="34" charset="0"/>
             </a:endParaRPr>
           </a:p>
           <a:p>
-            <a:pPr eaLnBrk="1" hangingPunct="1"/>
-            <a:r>
-              <a:rPr lang="en-US" sz="3200" b="1" dirty="0">
+            <a:pPr algn="ctr" eaLnBrk="1" hangingPunct="1"/>
+            <a:r>
+              <a:rPr lang="en-US" sz="3200" dirty="0">
                 <a:latin typeface="Calibri" pitchFamily="34" charset="0"/>
               </a:rPr>
               <a:t>Input size: 2000 lines</a:t>
             </a:r>
           </a:p>
           <a:p>
-            <a:pPr eaLnBrk="1" hangingPunct="1"/>
-            <a:r>
-              <a:rPr lang="en-US" sz="3200" b="1" dirty="0">
+            <a:pPr algn="ctr" eaLnBrk="1" hangingPunct="1"/>
+            <a:r>
+              <a:rPr lang="en-US" sz="3200" dirty="0">
                 <a:latin typeface="Calibri" pitchFamily="34" charset="0"/>
               </a:rPr>
               <a:t>Linear Data Structure: O(N) = 2000 comparisons</a:t>
             </a:r>
           </a:p>
           <a:p>
-            <a:pPr eaLnBrk="1" hangingPunct="1"/>
-            <a:r>
-              <a:rPr lang="en-US" sz="3200" b="1" dirty="0">
+            <a:pPr algn="ctr" eaLnBrk="1" hangingPunct="1"/>
+            <a:r>
+              <a:rPr lang="en-US" sz="3200" dirty="0">
                 <a:latin typeface="Calibri" pitchFamily="34" charset="0"/>
               </a:rPr>
               <a:t>RB Tree: O(log_2(N)) </a:t>
             </a:r>
             <a:r>
-              <a:rPr lang="en-US" sz="2800" b="1" dirty="0"/>
+              <a:rPr lang="en-US" sz="3200" dirty="0"/>
               <a:t>≈</a:t>
             </a:r>
             <a:r>
-              <a:rPr lang="en-US" sz="3200" b="1" dirty="0">
+              <a:rPr lang="en-US" sz="3200" dirty="0">
                 <a:latin typeface="Calibri" pitchFamily="34" charset="0"/>
               </a:rPr>
               <a:t> 11 comparisons</a:t>
@@ -5106,10 +5027,8 @@
           <a:prstGeom prst="rect">
             <a:avLst/>
           </a:prstGeom>
-          <a:ln>
-            <a:solidFill>
-              <a:schemeClr val="accent1"/>
-            </a:solidFill>
+          <a:ln w="38100">
+            <a:noFill/>
           </a:ln>
         </p:spPr>
       </p:pic>
@@ -5141,12 +5060,8 @@
           <a:prstGeom prst="rect">
             <a:avLst/>
           </a:prstGeom>
-          <a:ln>
-            <a:solidFill>
-              <a:schemeClr val="accent1">
-                <a:lumMod val="75000"/>
-              </a:schemeClr>
-            </a:solidFill>
+          <a:ln w="38100">
+            <a:noFill/>
           </a:ln>
         </p:spPr>
       </p:pic>
@@ -5158,22 +5073,23 @@
         </p:nvCxnSpPr>
         <p:spPr>
           <a:xfrm>
-            <a:off x="15361920" y="23619382"/>
+            <a:off x="15361920" y="22936200"/>
             <a:ext cx="13167360" cy="0"/>
           </a:xfrm>
           <a:prstGeom prst="line">
             <a:avLst/>
           </a:prstGeom>
+          <a:ln w="57150"/>
         </p:spPr>
         <p:style>
           <a:lnRef idx="1">
-            <a:schemeClr val="accent1"/>
+            <a:schemeClr val="dk1"/>
           </a:lnRef>
           <a:fillRef idx="0">
-            <a:schemeClr val="accent1"/>
+            <a:schemeClr val="dk1"/>
           </a:fillRef>
           <a:effectRef idx="0">
-            <a:schemeClr val="accent1"/>
+            <a:schemeClr val="dk1"/>
           </a:effectRef>
           <a:fontRef idx="minor">
             <a:schemeClr val="tx1"/>
@@ -5208,6 +5124,11 @@
           <a:prstGeom prst="rect">
             <a:avLst/>
           </a:prstGeom>
+          <a:ln w="38100">
+            <a:solidFill>
+              <a:schemeClr val="tx1"/>
+            </a:solidFill>
+          </a:ln>
         </p:spPr>
       </p:pic>
       <p:pic>
@@ -5232,7 +5153,7 @@
         </p:blipFill>
         <p:spPr>
           <a:xfrm>
-            <a:off x="38250914" y="8789331"/>
+            <a:off x="38042878" y="9054415"/>
             <a:ext cx="3409922" cy="1879396"/>
           </a:xfrm>
           <a:prstGeom prst="rect">
@@ -5262,7 +5183,7 @@
         </p:blipFill>
         <p:spPr>
           <a:xfrm>
-            <a:off x="33780574" y="9658189"/>
+            <a:off x="33840797" y="10371506"/>
             <a:ext cx="5422923" cy="3411194"/>
           </a:xfrm>
           <a:prstGeom prst="rect">
@@ -5300,6 +5221,11 @@
             <a:avLst/>
           </a:prstGeom>
           <a:noFill/>
+          <a:ln w="76200">
+            <a:solidFill>
+              <a:schemeClr val="bg1"/>
+            </a:solidFill>
+          </a:ln>
           <a:extLst>
             <a:ext uri="{909E8E84-426E-40DD-AFC4-6F175D3DCCD1}">
               <a14:hiddenFill xmlns:a14="http://schemas.microsoft.com/office/drawing/2010/main">
@@ -5341,6 +5267,11 @@
             <a:avLst/>
           </a:prstGeom>
           <a:noFill/>
+          <a:ln w="76200">
+            <a:solidFill>
+              <a:schemeClr val="bg1"/>
+            </a:solidFill>
+          </a:ln>
           <a:extLst>
             <a:ext uri="{909E8E84-426E-40DD-AFC4-6F175D3DCCD1}">
               <a14:hiddenFill xmlns:a14="http://schemas.microsoft.com/office/drawing/2010/main">
@@ -5392,20 +5323,13 @@
   <p:clrMapOvr>
     <a:masterClrMapping/>
   </p:clrMapOvr>
-  <p:timing>
-    <p:tnLst>
-      <p:par>
-        <p:cTn id="1" dur="indefinite" restart="never" nodeType="tmRoot"/>
-      </p:par>
-    </p:tnLst>
-  </p:timing>
 </p:sld>
 </file>
 
 <file path=ppt/theme/theme1.xml><?xml version="1.0" encoding="utf-8"?>
 <a:theme xmlns:a="http://schemas.openxmlformats.org/drawingml/2006/main" name="Office Theme">
   <a:themeElements>
-    <a:clrScheme name="Red Orange">
+    <a:clrScheme name="Custom 12">
       <a:dk1>
         <a:sysClr val="windowText" lastClr="000000"/>
       </a:dk1>
@@ -5419,22 +5343,22 @@
         <a:srgbClr val="EEECE1"/>
       </a:lt2>
       <a:accent1>
-        <a:srgbClr val="E84C22"/>
+        <a:srgbClr val="FF0000"/>
       </a:accent1>
       <a:accent2>
-        <a:srgbClr val="FFBD47"/>
+        <a:srgbClr val="FF0000"/>
       </a:accent2>
       <a:accent3>
-        <a:srgbClr val="B64926"/>
+        <a:srgbClr val="0C0C0C"/>
       </a:accent3>
       <a:accent4>
-        <a:srgbClr val="FF8427"/>
+        <a:srgbClr val="000000"/>
       </a:accent4>
       <a:accent5>
         <a:srgbClr val="CC9900"/>
       </a:accent5>
       <a:accent6>
-        <a:srgbClr val="B22600"/>
+        <a:srgbClr val="000000"/>
       </a:accent6>
       <a:hlink>
         <a:srgbClr val="CC9900"/>
